--- a/Presentation.pptx
+++ b/Presentation.pptx
@@ -7,13 +7,16 @@
   <p:sldIdLst>
     <p:sldId id="256" r:id="rId2"/>
     <p:sldId id="257" r:id="rId3"/>
-    <p:sldId id="258" r:id="rId4"/>
-    <p:sldId id="259" r:id="rId5"/>
-    <p:sldId id="260" r:id="rId6"/>
-    <p:sldId id="261" r:id="rId7"/>
-    <p:sldId id="262" r:id="rId8"/>
-    <p:sldId id="263" r:id="rId9"/>
-    <p:sldId id="264" r:id="rId10"/>
+    <p:sldId id="265" r:id="rId4"/>
+    <p:sldId id="266" r:id="rId5"/>
+    <p:sldId id="258" r:id="rId6"/>
+    <p:sldId id="259" r:id="rId7"/>
+    <p:sldId id="260" r:id="rId8"/>
+    <p:sldId id="261" r:id="rId9"/>
+    <p:sldId id="262" r:id="rId10"/>
+    <p:sldId id="263" r:id="rId11"/>
+    <p:sldId id="267" r:id="rId12"/>
+    <p:sldId id="264" r:id="rId13"/>
   </p:sldIdLst>
   <p:sldSz cx="12192000" cy="6858000"/>
   <p:notesSz cx="6858000" cy="9144000"/>
@@ -124,568 +127,10 @@
 <p1510:revInfo xmlns:a="http://schemas.openxmlformats.org/drawingml/2006/main" xmlns:r="http://schemas.openxmlformats.org/officeDocument/2006/relationships" xmlns:p1510="http://schemas.microsoft.com/office/powerpoint/2015/10/main">
   <p1510:revLst>
     <p1510:client id="{5E1FFDA7-184F-4AC3-B0BA-C3EC424B1297}" v="3872" dt="2020-09-20T13:20:45.902"/>
+    <p1510:client id="{C4A63307-536C-8531-31F5-DE2D7507DE97}" v="533" dt="2020-09-25T09:08:30.817"/>
     <p1510:client id="{E30A9C8A-847B-4603-8622-40F07B62A683}" v="501" dt="2020-09-20T13:54:04.290"/>
   </p1510:revLst>
 </p1510:revInfo>
-</file>
-
-<file path=ppt/changesInfos/changesInfo1.xml><?xml version="1.0" encoding="utf-8"?>
-<pc:chgInfo xmlns:a="http://schemas.openxmlformats.org/drawingml/2006/main" xmlns:r="http://schemas.openxmlformats.org/officeDocument/2006/relationships" xmlns:ac="http://schemas.microsoft.com/office/drawing/2013/main/command" xmlns:pc="http://schemas.microsoft.com/office/powerpoint/2013/main/command">
-  <pc:docChgLst>
-    <pc:chgData name="Παναγιωτης Λουλακης" userId="S::el16121@ntua.gr::59dfc4f9-6957-40e2-b110-cf7d12c017df" providerId="AD" clId="Web-{5E1FFDA7-184F-4AC3-B0BA-C3EC424B1297}"/>
-    <pc:docChg chg="addSld modSld">
-      <pc:chgData name="Παναγιωτης Λουλακης" userId="S::el16121@ntua.gr::59dfc4f9-6957-40e2-b110-cf7d12c017df" providerId="AD" clId="Web-{5E1FFDA7-184F-4AC3-B0BA-C3EC424B1297}" dt="2020-09-20T13:20:45.902" v="3826" actId="14100"/>
-      <pc:docMkLst>
-        <pc:docMk/>
-      </pc:docMkLst>
-      <pc:sldChg chg="modSp">
-        <pc:chgData name="Παναγιωτης Λουλακης" userId="S::el16121@ntua.gr::59dfc4f9-6957-40e2-b110-cf7d12c017df" providerId="AD" clId="Web-{5E1FFDA7-184F-4AC3-B0BA-C3EC424B1297}" dt="2020-09-20T12:34:13.553" v="14" actId="20577"/>
-        <pc:sldMkLst>
-          <pc:docMk/>
-          <pc:sldMk cId="109857222" sldId="256"/>
-        </pc:sldMkLst>
-        <pc:spChg chg="mod">
-          <ac:chgData name="Παναγιωτης Λουλακης" userId="S::el16121@ntua.gr::59dfc4f9-6957-40e2-b110-cf7d12c017df" providerId="AD" clId="Web-{5E1FFDA7-184F-4AC3-B0BA-C3EC424B1297}" dt="2020-09-20T12:33:58.615" v="5" actId="1076"/>
-          <ac:spMkLst>
-            <pc:docMk/>
-            <pc:sldMk cId="109857222" sldId="256"/>
-            <ac:spMk id="2" creationId="{00000000-0000-0000-0000-000000000000}"/>
-          </ac:spMkLst>
-        </pc:spChg>
-        <pc:spChg chg="mod">
-          <ac:chgData name="Παναγιωτης Λουλακης" userId="S::el16121@ntua.gr::59dfc4f9-6957-40e2-b110-cf7d12c017df" providerId="AD" clId="Web-{5E1FFDA7-184F-4AC3-B0BA-C3EC424B1297}" dt="2020-09-20T12:34:13.553" v="14" actId="20577"/>
-          <ac:spMkLst>
-            <pc:docMk/>
-            <pc:sldMk cId="109857222" sldId="256"/>
-            <ac:spMk id="3" creationId="{00000000-0000-0000-0000-000000000000}"/>
-          </ac:spMkLst>
-        </pc:spChg>
-      </pc:sldChg>
-      <pc:sldChg chg="modSp new">
-        <pc:chgData name="Παναγιωτης Λουλακης" userId="S::el16121@ntua.gr::59dfc4f9-6957-40e2-b110-cf7d12c017df" providerId="AD" clId="Web-{5E1FFDA7-184F-4AC3-B0BA-C3EC424B1297}" dt="2020-09-20T12:39:14.326" v="468" actId="20577"/>
-        <pc:sldMkLst>
-          <pc:docMk/>
-          <pc:sldMk cId="1866333532" sldId="257"/>
-        </pc:sldMkLst>
-        <pc:spChg chg="mod">
-          <ac:chgData name="Παναγιωτης Λουλακης" userId="S::el16121@ntua.gr::59dfc4f9-6957-40e2-b110-cf7d12c017df" providerId="AD" clId="Web-{5E1FFDA7-184F-4AC3-B0BA-C3EC424B1297}" dt="2020-09-20T12:35:19.680" v="32" actId="1076"/>
-          <ac:spMkLst>
-            <pc:docMk/>
-            <pc:sldMk cId="1866333532" sldId="257"/>
-            <ac:spMk id="2" creationId="{BD8C696D-014A-4118-BEF1-2AB919023B92}"/>
-          </ac:spMkLst>
-        </pc:spChg>
-        <pc:spChg chg="mod">
-          <ac:chgData name="Παναγιωτης Λουλακης" userId="S::el16121@ntua.gr::59dfc4f9-6957-40e2-b110-cf7d12c017df" providerId="AD" clId="Web-{5E1FFDA7-184F-4AC3-B0BA-C3EC424B1297}" dt="2020-09-20T12:39:14.326" v="468" actId="20577"/>
-          <ac:spMkLst>
-            <pc:docMk/>
-            <pc:sldMk cId="1866333532" sldId="257"/>
-            <ac:spMk id="3" creationId="{3E1A6202-53EC-47E3-817D-2E9964755CCD}"/>
-          </ac:spMkLst>
-        </pc:spChg>
-      </pc:sldChg>
-      <pc:sldChg chg="addSp delSp modSp new">
-        <pc:chgData name="Παναγιωτης Λουλακης" userId="S::el16121@ntua.gr::59dfc4f9-6957-40e2-b110-cf7d12c017df" providerId="AD" clId="Web-{5E1FFDA7-184F-4AC3-B0BA-C3EC424B1297}" dt="2020-09-20T12:49:49.920" v="1189" actId="1076"/>
-        <pc:sldMkLst>
-          <pc:docMk/>
-          <pc:sldMk cId="3672303249" sldId="258"/>
-        </pc:sldMkLst>
-        <pc:spChg chg="mod">
-          <ac:chgData name="Παναγιωτης Λουλακης" userId="S::el16121@ntua.gr::59dfc4f9-6957-40e2-b110-cf7d12c017df" providerId="AD" clId="Web-{5E1FFDA7-184F-4AC3-B0BA-C3EC424B1297}" dt="2020-09-20T12:49:40.263" v="1187" actId="1076"/>
-          <ac:spMkLst>
-            <pc:docMk/>
-            <pc:sldMk cId="3672303249" sldId="258"/>
-            <ac:spMk id="2" creationId="{B6ED5C2F-EC32-4281-A065-B23FCED5E209}"/>
-          </ac:spMkLst>
-        </pc:spChg>
-        <pc:spChg chg="mod">
-          <ac:chgData name="Παναγιωτης Λουλακης" userId="S::el16121@ntua.gr::59dfc4f9-6957-40e2-b110-cf7d12c017df" providerId="AD" clId="Web-{5E1FFDA7-184F-4AC3-B0BA-C3EC424B1297}" dt="2020-09-20T12:49:49.920" v="1189" actId="1076"/>
-          <ac:spMkLst>
-            <pc:docMk/>
-            <pc:sldMk cId="3672303249" sldId="258"/>
-            <ac:spMk id="3" creationId="{9E79991A-3582-46F3-9DF5-534EA04DF2C1}"/>
-          </ac:spMkLst>
-        </pc:spChg>
-        <pc:picChg chg="add del mod">
-          <ac:chgData name="Παναγιωτης Λουλακης" userId="S::el16121@ntua.gr::59dfc4f9-6957-40e2-b110-cf7d12c017df" providerId="AD" clId="Web-{5E1FFDA7-184F-4AC3-B0BA-C3EC424B1297}" dt="2020-09-20T12:43:20.144" v="581"/>
-          <ac:picMkLst>
-            <pc:docMk/>
-            <pc:sldMk cId="3672303249" sldId="258"/>
-            <ac:picMk id="4" creationId="{E7901072-489F-4A4B-BF0E-16A9BA4E4949}"/>
-          </ac:picMkLst>
-        </pc:picChg>
-        <pc:picChg chg="add mod">
-          <ac:chgData name="Παναγιωτης Λουλακης" userId="S::el16121@ntua.gr::59dfc4f9-6957-40e2-b110-cf7d12c017df" providerId="AD" clId="Web-{5E1FFDA7-184F-4AC3-B0BA-C3EC424B1297}" dt="2020-09-20T12:46:51.306" v="854" actId="1076"/>
-          <ac:picMkLst>
-            <pc:docMk/>
-            <pc:sldMk cId="3672303249" sldId="258"/>
-            <ac:picMk id="5" creationId="{682899DE-D88E-42DA-B39B-7695F2C8E48C}"/>
-          </ac:picMkLst>
-        </pc:picChg>
-        <pc:picChg chg="add mod">
-          <ac:chgData name="Παναγιωτης Λουλακης" userId="S::el16121@ntua.gr::59dfc4f9-6957-40e2-b110-cf7d12c017df" providerId="AD" clId="Web-{5E1FFDA7-184F-4AC3-B0BA-C3EC424B1297}" dt="2020-09-20T12:47:01.447" v="858" actId="1076"/>
-          <ac:picMkLst>
-            <pc:docMk/>
-            <pc:sldMk cId="3672303249" sldId="258"/>
-            <ac:picMk id="6" creationId="{417E9E19-B65D-42B9-9CA9-4B0AE02A89D0}"/>
-          </ac:picMkLst>
-        </pc:picChg>
-        <pc:picChg chg="add mod">
-          <ac:chgData name="Παναγιωτης Λουλακης" userId="S::el16121@ntua.gr::59dfc4f9-6957-40e2-b110-cf7d12c017df" providerId="AD" clId="Web-{5E1FFDA7-184F-4AC3-B0BA-C3EC424B1297}" dt="2020-09-20T12:48:09.292" v="996" actId="1076"/>
-          <ac:picMkLst>
-            <pc:docMk/>
-            <pc:sldMk cId="3672303249" sldId="258"/>
-            <ac:picMk id="7" creationId="{03F6CE3C-D4C4-4B3C-9495-CD805FC05EE4}"/>
-          </ac:picMkLst>
-        </pc:picChg>
-        <pc:picChg chg="add mod">
-          <ac:chgData name="Παναγιωτης Λουλακης" userId="S::el16121@ntua.gr::59dfc4f9-6957-40e2-b110-cf7d12c017df" providerId="AD" clId="Web-{5E1FFDA7-184F-4AC3-B0BA-C3EC424B1297}" dt="2020-09-20T12:49:27.044" v="1171" actId="14100"/>
-          <ac:picMkLst>
-            <pc:docMk/>
-            <pc:sldMk cId="3672303249" sldId="258"/>
-            <ac:picMk id="8" creationId="{F066A61A-3A21-4319-96C7-1E2B7560AD34}"/>
-          </ac:picMkLst>
-        </pc:picChg>
-      </pc:sldChg>
-      <pc:sldChg chg="addSp modSp new">
-        <pc:chgData name="Παναγιωτης Λουλακης" userId="S::el16121@ntua.gr::59dfc4f9-6957-40e2-b110-cf7d12c017df" providerId="AD" clId="Web-{5E1FFDA7-184F-4AC3-B0BA-C3EC424B1297}" dt="2020-09-20T12:54:50.458" v="1786" actId="14100"/>
-        <pc:sldMkLst>
-          <pc:docMk/>
-          <pc:sldMk cId="745928288" sldId="259"/>
-        </pc:sldMkLst>
-        <pc:spChg chg="mod">
-          <ac:chgData name="Παναγιωτης Λουλακης" userId="S::el16121@ntua.gr::59dfc4f9-6957-40e2-b110-cf7d12c017df" providerId="AD" clId="Web-{5E1FFDA7-184F-4AC3-B0BA-C3EC424B1297}" dt="2020-09-20T12:50:27.905" v="1216" actId="1076"/>
-          <ac:spMkLst>
-            <pc:docMk/>
-            <pc:sldMk cId="745928288" sldId="259"/>
-            <ac:spMk id="2" creationId="{C21CDF64-80FD-4A1A-808C-797B03A3B8F2}"/>
-          </ac:spMkLst>
-        </pc:spChg>
-        <pc:spChg chg="mod">
-          <ac:chgData name="Παναγιωτης Λουλακης" userId="S::el16121@ntua.gr::59dfc4f9-6957-40e2-b110-cf7d12c017df" providerId="AD" clId="Web-{5E1FFDA7-184F-4AC3-B0BA-C3EC424B1297}" dt="2020-09-20T12:54:50.458" v="1786" actId="14100"/>
-          <ac:spMkLst>
-            <pc:docMk/>
-            <pc:sldMk cId="745928288" sldId="259"/>
-            <ac:spMk id="3" creationId="{7603864E-7DAC-4FA8-BD0D-C98D2D80E8D2}"/>
-          </ac:spMkLst>
-        </pc:spChg>
-        <pc:picChg chg="add mod">
-          <ac:chgData name="Παναγιωτης Λουλακης" userId="S::el16121@ntua.gr::59dfc4f9-6957-40e2-b110-cf7d12c017df" providerId="AD" clId="Web-{5E1FFDA7-184F-4AC3-B0BA-C3EC424B1297}" dt="2020-09-20T12:54:41.786" v="1784" actId="14100"/>
-          <ac:picMkLst>
-            <pc:docMk/>
-            <pc:sldMk cId="745928288" sldId="259"/>
-            <ac:picMk id="4" creationId="{31C3B4BF-CF73-4890-94A2-6EE89DCD3B20}"/>
-          </ac:picMkLst>
-        </pc:picChg>
-      </pc:sldChg>
-      <pc:sldChg chg="addSp modSp new">
-        <pc:chgData name="Παναγιωτης Λουλακης" userId="S::el16121@ntua.gr::59dfc4f9-6957-40e2-b110-cf7d12c017df" providerId="AD" clId="Web-{5E1FFDA7-184F-4AC3-B0BA-C3EC424B1297}" dt="2020-09-20T13:02:15.484" v="2156" actId="14100"/>
-        <pc:sldMkLst>
-          <pc:docMk/>
-          <pc:sldMk cId="4015755363" sldId="260"/>
-        </pc:sldMkLst>
-        <pc:spChg chg="mod">
-          <ac:chgData name="Παναγιωτης Λουλακης" userId="S::el16121@ntua.gr::59dfc4f9-6957-40e2-b110-cf7d12c017df" providerId="AD" clId="Web-{5E1FFDA7-184F-4AC3-B0BA-C3EC424B1297}" dt="2020-09-20T12:58:52.917" v="1795" actId="14100"/>
-          <ac:spMkLst>
-            <pc:docMk/>
-            <pc:sldMk cId="4015755363" sldId="260"/>
-            <ac:spMk id="2" creationId="{C254C773-D809-420C-9565-E180D634A8E7}"/>
-          </ac:spMkLst>
-        </pc:spChg>
-        <pc:spChg chg="mod">
-          <ac:chgData name="Παναγιωτης Λουλακης" userId="S::el16121@ntua.gr::59dfc4f9-6957-40e2-b110-cf7d12c017df" providerId="AD" clId="Web-{5E1FFDA7-184F-4AC3-B0BA-C3EC424B1297}" dt="2020-09-20T13:02:15.484" v="2156" actId="14100"/>
-          <ac:spMkLst>
-            <pc:docMk/>
-            <pc:sldMk cId="4015755363" sldId="260"/>
-            <ac:spMk id="3" creationId="{88207886-0202-487E-8564-9C46039086E0}"/>
-          </ac:spMkLst>
-        </pc:spChg>
-        <pc:picChg chg="add mod">
-          <ac:chgData name="Παναγιωτης Λουλακης" userId="S::el16121@ntua.gr::59dfc4f9-6957-40e2-b110-cf7d12c017df" providerId="AD" clId="Web-{5E1FFDA7-184F-4AC3-B0BA-C3EC424B1297}" dt="2020-09-20T13:01:36.124" v="2149" actId="14100"/>
-          <ac:picMkLst>
-            <pc:docMk/>
-            <pc:sldMk cId="4015755363" sldId="260"/>
-            <ac:picMk id="4" creationId="{F9F2BDF8-47C0-497B-ABE4-30768752A714}"/>
-          </ac:picMkLst>
-        </pc:picChg>
-        <pc:picChg chg="add mod">
-          <ac:chgData name="Παναγιωτης Λουλακης" userId="S::el16121@ntua.gr::59dfc4f9-6957-40e2-b110-cf7d12c017df" providerId="AD" clId="Web-{5E1FFDA7-184F-4AC3-B0BA-C3EC424B1297}" dt="2020-09-20T13:02:11.062" v="2155" actId="14100"/>
-          <ac:picMkLst>
-            <pc:docMk/>
-            <pc:sldMk cId="4015755363" sldId="260"/>
-            <ac:picMk id="5" creationId="{2DC00491-5060-413E-AE14-B9CF95FA636B}"/>
-          </ac:picMkLst>
-        </pc:picChg>
-      </pc:sldChg>
-      <pc:sldChg chg="addSp modSp new">
-        <pc:chgData name="Παναγιωτης Λουλακης" userId="S::el16121@ntua.gr::59dfc4f9-6957-40e2-b110-cf7d12c017df" providerId="AD" clId="Web-{5E1FFDA7-184F-4AC3-B0BA-C3EC424B1297}" dt="2020-09-20T13:07:29.695" v="2573" actId="14100"/>
-        <pc:sldMkLst>
-          <pc:docMk/>
-          <pc:sldMk cId="669487408" sldId="261"/>
-        </pc:sldMkLst>
-        <pc:spChg chg="mod">
-          <ac:chgData name="Παναγιωτης Λουλακης" userId="S::el16121@ntua.gr::59dfc4f9-6957-40e2-b110-cf7d12c017df" providerId="AD" clId="Web-{5E1FFDA7-184F-4AC3-B0BA-C3EC424B1297}" dt="2020-09-20T13:04:48.191" v="2177" actId="1076"/>
-          <ac:spMkLst>
-            <pc:docMk/>
-            <pc:sldMk cId="669487408" sldId="261"/>
-            <ac:spMk id="2" creationId="{95E64EBF-ECB6-4B4E-8027-CA4AB2DD3216}"/>
-          </ac:spMkLst>
-        </pc:spChg>
-        <pc:spChg chg="mod">
-          <ac:chgData name="Παναγιωτης Λουλακης" userId="S::el16121@ntua.gr::59dfc4f9-6957-40e2-b110-cf7d12c017df" providerId="AD" clId="Web-{5E1FFDA7-184F-4AC3-B0BA-C3EC424B1297}" dt="2020-09-20T13:07:29.695" v="2573" actId="14100"/>
-          <ac:spMkLst>
-            <pc:docMk/>
-            <pc:sldMk cId="669487408" sldId="261"/>
-            <ac:spMk id="3" creationId="{72908020-838A-4A28-B877-868BF802697D}"/>
-          </ac:spMkLst>
-        </pc:spChg>
-        <pc:picChg chg="add mod">
-          <ac:chgData name="Παναγιωτης Λουλακης" userId="S::el16121@ntua.gr::59dfc4f9-6957-40e2-b110-cf7d12c017df" providerId="AD" clId="Web-{5E1FFDA7-184F-4AC3-B0BA-C3EC424B1297}" dt="2020-09-20T13:06:06.787" v="2396" actId="14100"/>
-          <ac:picMkLst>
-            <pc:docMk/>
-            <pc:sldMk cId="669487408" sldId="261"/>
-            <ac:picMk id="4" creationId="{B19DF84D-E334-4E3F-9AB0-230BE7961BAF}"/>
-          </ac:picMkLst>
-        </pc:picChg>
-        <pc:picChg chg="add mod">
-          <ac:chgData name="Παναγιωτης Λουλακης" userId="S::el16121@ntua.gr::59dfc4f9-6957-40e2-b110-cf7d12c017df" providerId="AD" clId="Web-{5E1FFDA7-184F-4AC3-B0BA-C3EC424B1297}" dt="2020-09-20T13:07:26.820" v="2572" actId="14100"/>
-          <ac:picMkLst>
-            <pc:docMk/>
-            <pc:sldMk cId="669487408" sldId="261"/>
-            <ac:picMk id="5" creationId="{E83D9CC5-F1F8-4F19-8E3E-38C5B1AB46BB}"/>
-          </ac:picMkLst>
-        </pc:picChg>
-      </pc:sldChg>
-      <pc:sldChg chg="addSp modSp new">
-        <pc:chgData name="Παναγιωτης Λουλακης" userId="S::el16121@ntua.gr::59dfc4f9-6957-40e2-b110-cf7d12c017df" providerId="AD" clId="Web-{5E1FFDA7-184F-4AC3-B0BA-C3EC424B1297}" dt="2020-09-20T13:17:18.131" v="3571" actId="1076"/>
-        <pc:sldMkLst>
-          <pc:docMk/>
-          <pc:sldMk cId="462437578" sldId="262"/>
-        </pc:sldMkLst>
-        <pc:spChg chg="mod">
-          <ac:chgData name="Παναγιωτης Λουλακης" userId="S::el16121@ntua.gr::59dfc4f9-6957-40e2-b110-cf7d12c017df" providerId="AD" clId="Web-{5E1FFDA7-184F-4AC3-B0BA-C3EC424B1297}" dt="2020-09-20T13:08:08.993" v="2590" actId="1076"/>
-          <ac:spMkLst>
-            <pc:docMk/>
-            <pc:sldMk cId="462437578" sldId="262"/>
-            <ac:spMk id="2" creationId="{D6C5C4CB-5DE2-40F6-A92C-49F29D7D3F21}"/>
-          </ac:spMkLst>
-        </pc:spChg>
-        <pc:spChg chg="mod">
-          <ac:chgData name="Παναγιωτης Λουλακης" userId="S::el16121@ntua.gr::59dfc4f9-6957-40e2-b110-cf7d12c017df" providerId="AD" clId="Web-{5E1FFDA7-184F-4AC3-B0BA-C3EC424B1297}" dt="2020-09-20T13:14:21.174" v="3305" actId="14100"/>
-          <ac:spMkLst>
-            <pc:docMk/>
-            <pc:sldMk cId="462437578" sldId="262"/>
-            <ac:spMk id="3" creationId="{806889D3-5110-4647-8EE5-CC2DD7325BCB}"/>
-          </ac:spMkLst>
-        </pc:spChg>
-        <pc:spChg chg="add mod">
-          <ac:chgData name="Παναγιωτης Λουλακης" userId="S::el16121@ntua.gr::59dfc4f9-6957-40e2-b110-cf7d12c017df" providerId="AD" clId="Web-{5E1FFDA7-184F-4AC3-B0BA-C3EC424B1297}" dt="2020-09-20T13:17:01.068" v="3529" actId="20577"/>
-          <ac:spMkLst>
-            <pc:docMk/>
-            <pc:sldMk cId="462437578" sldId="262"/>
-            <ac:spMk id="5" creationId="{D96F0320-E9D3-4DEC-9EAC-245963B3E74E}"/>
-          </ac:spMkLst>
-        </pc:spChg>
-        <pc:spChg chg="add mod">
-          <ac:chgData name="Παναγιωτης Λουλακης" userId="S::el16121@ntua.gr::59dfc4f9-6957-40e2-b110-cf7d12c017df" providerId="AD" clId="Web-{5E1FFDA7-184F-4AC3-B0BA-C3EC424B1297}" dt="2020-09-20T13:17:15.975" v="3569" actId="20577"/>
-          <ac:spMkLst>
-            <pc:docMk/>
-            <pc:sldMk cId="462437578" sldId="262"/>
-            <ac:spMk id="8" creationId="{3313BB6A-C1EC-410E-A552-0049BFA377B9}"/>
-          </ac:spMkLst>
-        </pc:spChg>
-        <pc:picChg chg="add mod">
-          <ac:chgData name="Παναγιωτης Λουλακης" userId="S::el16121@ntua.gr::59dfc4f9-6957-40e2-b110-cf7d12c017df" providerId="AD" clId="Web-{5E1FFDA7-184F-4AC3-B0BA-C3EC424B1297}" dt="2020-09-20T13:14:23.689" v="3306" actId="1076"/>
-          <ac:picMkLst>
-            <pc:docMk/>
-            <pc:sldMk cId="462437578" sldId="262"/>
-            <ac:picMk id="4" creationId="{7F270227-ADCF-475C-AF31-C994581DEFD2}"/>
-          </ac:picMkLst>
-        </pc:picChg>
-        <pc:picChg chg="add mod">
-          <ac:chgData name="Παναγιωτης Λουλακης" userId="S::el16121@ntua.gr::59dfc4f9-6957-40e2-b110-cf7d12c017df" providerId="AD" clId="Web-{5E1FFDA7-184F-4AC3-B0BA-C3EC424B1297}" dt="2020-09-20T13:16:17.536" v="3464" actId="14100"/>
-          <ac:picMkLst>
-            <pc:docMk/>
-            <pc:sldMk cId="462437578" sldId="262"/>
-            <ac:picMk id="6" creationId="{0A49D7AC-12C6-400A-9C3A-EACD75848D6B}"/>
-          </ac:picMkLst>
-        </pc:picChg>
-        <pc:picChg chg="add mod">
-          <ac:chgData name="Παναγιωτης Λουλακης" userId="S::el16121@ntua.gr::59dfc4f9-6957-40e2-b110-cf7d12c017df" providerId="AD" clId="Web-{5E1FFDA7-184F-4AC3-B0BA-C3EC424B1297}" dt="2020-09-20T13:14:30.830" v="3309" actId="1076"/>
-          <ac:picMkLst>
-            <pc:docMk/>
-            <pc:sldMk cId="462437578" sldId="262"/>
-            <ac:picMk id="7" creationId="{E8EF74F2-D410-4E16-BF2E-42A9E2D3DC53}"/>
-          </ac:picMkLst>
-        </pc:picChg>
-        <pc:picChg chg="add mod">
-          <ac:chgData name="Παναγιωτης Λουλακης" userId="S::el16121@ntua.gr::59dfc4f9-6957-40e2-b110-cf7d12c017df" providerId="AD" clId="Web-{5E1FFDA7-184F-4AC3-B0BA-C3EC424B1297}" dt="2020-09-20T13:17:18.131" v="3571" actId="1076"/>
-          <ac:picMkLst>
-            <pc:docMk/>
-            <pc:sldMk cId="462437578" sldId="262"/>
-            <ac:picMk id="9" creationId="{714ACE60-5A0E-41AC-BA42-517994E007BB}"/>
-          </ac:picMkLst>
-        </pc:picChg>
-      </pc:sldChg>
-      <pc:sldChg chg="addSp modSp new">
-        <pc:chgData name="Παναγιωτης Λουλακης" userId="S::el16121@ntua.gr::59dfc4f9-6957-40e2-b110-cf7d12c017df" providerId="AD" clId="Web-{5E1FFDA7-184F-4AC3-B0BA-C3EC424B1297}" dt="2020-09-20T13:20:45.902" v="3826" actId="14100"/>
-        <pc:sldMkLst>
-          <pc:docMk/>
-          <pc:sldMk cId="3478524668" sldId="263"/>
-        </pc:sldMkLst>
-        <pc:spChg chg="mod">
-          <ac:chgData name="Παναγιωτης Λουλακης" userId="S::el16121@ntua.gr::59dfc4f9-6957-40e2-b110-cf7d12c017df" providerId="AD" clId="Web-{5E1FFDA7-184F-4AC3-B0BA-C3EC424B1297}" dt="2020-09-20T13:18:20.961" v="3580" actId="1076"/>
-          <ac:spMkLst>
-            <pc:docMk/>
-            <pc:sldMk cId="3478524668" sldId="263"/>
-            <ac:spMk id="2" creationId="{BBF25091-97C4-40B6-B1C1-97BB2BD1779B}"/>
-          </ac:spMkLst>
-        </pc:spChg>
-        <pc:spChg chg="mod">
-          <ac:chgData name="Παναγιωτης Λουλακης" userId="S::el16121@ntua.gr::59dfc4f9-6957-40e2-b110-cf7d12c017df" providerId="AD" clId="Web-{5E1FFDA7-184F-4AC3-B0BA-C3EC424B1297}" dt="2020-09-20T13:19:59.276" v="3817" actId="20577"/>
-          <ac:spMkLst>
-            <pc:docMk/>
-            <pc:sldMk cId="3478524668" sldId="263"/>
-            <ac:spMk id="3" creationId="{1C06589B-0EDD-4A85-8A52-379A5101CDB3}"/>
-          </ac:spMkLst>
-        </pc:spChg>
-        <pc:picChg chg="add mod">
-          <ac:chgData name="Παναγιωτης Λουλακης" userId="S::el16121@ntua.gr::59dfc4f9-6957-40e2-b110-cf7d12c017df" providerId="AD" clId="Web-{5E1FFDA7-184F-4AC3-B0BA-C3EC424B1297}" dt="2020-09-20T13:20:03.948" v="3821" actId="1076"/>
-          <ac:picMkLst>
-            <pc:docMk/>
-            <pc:sldMk cId="3478524668" sldId="263"/>
-            <ac:picMk id="4" creationId="{DF80AA7B-79CC-4DD0-89E4-A8796A2FAB8E}"/>
-          </ac:picMkLst>
-        </pc:picChg>
-        <pc:picChg chg="add mod">
-          <ac:chgData name="Παναγιωτης Λουλακης" userId="S::el16121@ntua.gr::59dfc4f9-6957-40e2-b110-cf7d12c017df" providerId="AD" clId="Web-{5E1FFDA7-184F-4AC3-B0BA-C3EC424B1297}" dt="2020-09-20T13:20:11.417" v="3823" actId="14100"/>
-          <ac:picMkLst>
-            <pc:docMk/>
-            <pc:sldMk cId="3478524668" sldId="263"/>
-            <ac:picMk id="5" creationId="{B54566FA-2DB9-46AA-ACA5-0998B9469A00}"/>
-          </ac:picMkLst>
-        </pc:picChg>
-        <pc:picChg chg="add mod">
-          <ac:chgData name="Παναγιωτης Λουλακης" userId="S::el16121@ntua.gr::59dfc4f9-6957-40e2-b110-cf7d12c017df" providerId="AD" clId="Web-{5E1FFDA7-184F-4AC3-B0BA-C3EC424B1297}" dt="2020-09-20T13:20:45.902" v="3826" actId="14100"/>
-          <ac:picMkLst>
-            <pc:docMk/>
-            <pc:sldMk cId="3478524668" sldId="263"/>
-            <ac:picMk id="6" creationId="{F6B7DA05-24BF-4680-B1B7-C62473725E9B}"/>
-          </ac:picMkLst>
-        </pc:picChg>
-      </pc:sldChg>
-    </pc:docChg>
-  </pc:docChgLst>
-  <pc:docChgLst>
-    <pc:chgData name="Παναγιωτης Λουλακης" userId="S::el16121@ntua.gr::59dfc4f9-6957-40e2-b110-cf7d12c017df" providerId="AD" clId="Web-{E30A9C8A-847B-4603-8622-40F07B62A683}"/>
-    <pc:docChg chg="addSld modSld">
-      <pc:chgData name="Παναγιωτης Λουλακης" userId="S::el16121@ntua.gr::59dfc4f9-6957-40e2-b110-cf7d12c017df" providerId="AD" clId="Web-{E30A9C8A-847B-4603-8622-40F07B62A683}" dt="2020-09-20T13:54:04.290" v="492" actId="20577"/>
-      <pc:docMkLst>
-        <pc:docMk/>
-      </pc:docMkLst>
-      <pc:sldChg chg="modSp">
-        <pc:chgData name="Παναγιωτης Λουλακης" userId="S::el16121@ntua.gr::59dfc4f9-6957-40e2-b110-cf7d12c017df" providerId="AD" clId="Web-{E30A9C8A-847B-4603-8622-40F07B62A683}" dt="2020-09-20T13:41:43.865" v="224" actId="20577"/>
-        <pc:sldMkLst>
-          <pc:docMk/>
-          <pc:sldMk cId="1866333532" sldId="257"/>
-        </pc:sldMkLst>
-        <pc:spChg chg="mod">
-          <ac:chgData name="Παναγιωτης Λουλακης" userId="S::el16121@ntua.gr::59dfc4f9-6957-40e2-b110-cf7d12c017df" providerId="AD" clId="Web-{E30A9C8A-847B-4603-8622-40F07B62A683}" dt="2020-09-20T13:41:43.865" v="224" actId="20577"/>
-          <ac:spMkLst>
-            <pc:docMk/>
-            <pc:sldMk cId="1866333532" sldId="257"/>
-            <ac:spMk id="3" creationId="{3E1A6202-53EC-47E3-817D-2E9964755CCD}"/>
-          </ac:spMkLst>
-        </pc:spChg>
-      </pc:sldChg>
-      <pc:sldChg chg="modSp">
-        <pc:chgData name="Παναγιωτης Λουλακης" userId="S::el16121@ntua.gr::59dfc4f9-6957-40e2-b110-cf7d12c017df" providerId="AD" clId="Web-{E30A9C8A-847B-4603-8622-40F07B62A683}" dt="2020-09-20T13:45:12.198" v="286" actId="20577"/>
-        <pc:sldMkLst>
-          <pc:docMk/>
-          <pc:sldMk cId="3672303249" sldId="258"/>
-        </pc:sldMkLst>
-        <pc:spChg chg="mod">
-          <ac:chgData name="Παναγιωτης Λουλακης" userId="S::el16121@ntua.gr::59dfc4f9-6957-40e2-b110-cf7d12c017df" providerId="AD" clId="Web-{E30A9C8A-847B-4603-8622-40F07B62A683}" dt="2020-09-20T13:41:55.146" v="227" actId="1076"/>
-          <ac:spMkLst>
-            <pc:docMk/>
-            <pc:sldMk cId="3672303249" sldId="258"/>
-            <ac:spMk id="2" creationId="{B6ED5C2F-EC32-4281-A065-B23FCED5E209}"/>
-          </ac:spMkLst>
-        </pc:spChg>
-        <pc:spChg chg="mod">
-          <ac:chgData name="Παναγιωτης Λουλακης" userId="S::el16121@ntua.gr::59dfc4f9-6957-40e2-b110-cf7d12c017df" providerId="AD" clId="Web-{E30A9C8A-847B-4603-8622-40F07B62A683}" dt="2020-09-20T13:45:12.198" v="286" actId="20577"/>
-          <ac:spMkLst>
-            <pc:docMk/>
-            <pc:sldMk cId="3672303249" sldId="258"/>
-            <ac:spMk id="3" creationId="{9E79991A-3582-46F3-9DF5-534EA04DF2C1}"/>
-          </ac:spMkLst>
-        </pc:spChg>
-      </pc:sldChg>
-      <pc:sldChg chg="modSp">
-        <pc:chgData name="Παναγιωτης Λουλακης" userId="S::el16121@ntua.gr::59dfc4f9-6957-40e2-b110-cf7d12c017df" providerId="AD" clId="Web-{E30A9C8A-847B-4603-8622-40F07B62A683}" dt="2020-09-20T13:46:31.466" v="306" actId="20577"/>
-        <pc:sldMkLst>
-          <pc:docMk/>
-          <pc:sldMk cId="745928288" sldId="259"/>
-        </pc:sldMkLst>
-        <pc:spChg chg="mod">
-          <ac:chgData name="Παναγιωτης Λουλακης" userId="S::el16121@ntua.gr::59dfc4f9-6957-40e2-b110-cf7d12c017df" providerId="AD" clId="Web-{E30A9C8A-847B-4603-8622-40F07B62A683}" dt="2020-09-20T13:46:31.466" v="306" actId="20577"/>
-          <ac:spMkLst>
-            <pc:docMk/>
-            <pc:sldMk cId="745928288" sldId="259"/>
-            <ac:spMk id="3" creationId="{7603864E-7DAC-4FA8-BD0D-C98D2D80E8D2}"/>
-          </ac:spMkLst>
-        </pc:spChg>
-      </pc:sldChg>
-      <pc:sldChg chg="modSp">
-        <pc:chgData name="Παναγιωτης Λουλακης" userId="S::el16121@ntua.gr::59dfc4f9-6957-40e2-b110-cf7d12c017df" providerId="AD" clId="Web-{E30A9C8A-847B-4603-8622-40F07B62A683}" dt="2020-09-20T13:47:29.858" v="326" actId="20577"/>
-        <pc:sldMkLst>
-          <pc:docMk/>
-          <pc:sldMk cId="4015755363" sldId="260"/>
-        </pc:sldMkLst>
-        <pc:spChg chg="mod">
-          <ac:chgData name="Παναγιωτης Λουλακης" userId="S::el16121@ntua.gr::59dfc4f9-6957-40e2-b110-cf7d12c017df" providerId="AD" clId="Web-{E30A9C8A-847B-4603-8622-40F07B62A683}" dt="2020-09-20T13:47:29.858" v="326" actId="20577"/>
-          <ac:spMkLst>
-            <pc:docMk/>
-            <pc:sldMk cId="4015755363" sldId="260"/>
-            <ac:spMk id="3" creationId="{88207886-0202-487E-8564-9C46039086E0}"/>
-          </ac:spMkLst>
-        </pc:spChg>
-      </pc:sldChg>
-      <pc:sldChg chg="modSp">
-        <pc:chgData name="Παναγιωτης Λουλακης" userId="S::el16121@ntua.gr::59dfc4f9-6957-40e2-b110-cf7d12c017df" providerId="AD" clId="Web-{E30A9C8A-847B-4603-8622-40F07B62A683}" dt="2020-09-20T13:49:22.705" v="358" actId="20577"/>
-        <pc:sldMkLst>
-          <pc:docMk/>
-          <pc:sldMk cId="669487408" sldId="261"/>
-        </pc:sldMkLst>
-        <pc:spChg chg="mod">
-          <ac:chgData name="Παναγιωτης Λουλακης" userId="S::el16121@ntua.gr::59dfc4f9-6957-40e2-b110-cf7d12c017df" providerId="AD" clId="Web-{E30A9C8A-847B-4603-8622-40F07B62A683}" dt="2020-09-20T13:49:22.705" v="358" actId="20577"/>
-          <ac:spMkLst>
-            <pc:docMk/>
-            <pc:sldMk cId="669487408" sldId="261"/>
-            <ac:spMk id="3" creationId="{72908020-838A-4A28-B877-868BF802697D}"/>
-          </ac:spMkLst>
-        </pc:spChg>
-      </pc:sldChg>
-      <pc:sldChg chg="delSp modSp">
-        <pc:chgData name="Παναγιωτης Λουλακης" userId="S::el16121@ntua.gr::59dfc4f9-6957-40e2-b110-cf7d12c017df" providerId="AD" clId="Web-{E30A9C8A-847B-4603-8622-40F07B62A683}" dt="2020-09-20T13:53:18.680" v="470" actId="20577"/>
-        <pc:sldMkLst>
-          <pc:docMk/>
-          <pc:sldMk cId="462437578" sldId="262"/>
-        </pc:sldMkLst>
-        <pc:spChg chg="mod">
-          <ac:chgData name="Παναγιωτης Λουλακης" userId="S::el16121@ntua.gr::59dfc4f9-6957-40e2-b110-cf7d12c017df" providerId="AD" clId="Web-{E30A9C8A-847B-4603-8622-40F07B62A683}" dt="2020-09-20T13:50:33.503" v="402" actId="20577"/>
-          <ac:spMkLst>
-            <pc:docMk/>
-            <pc:sldMk cId="462437578" sldId="262"/>
-            <ac:spMk id="3" creationId="{806889D3-5110-4647-8EE5-CC2DD7325BCB}"/>
-          </ac:spMkLst>
-        </pc:spChg>
-        <pc:spChg chg="mod">
-          <ac:chgData name="Παναγιωτης Λουλακης" userId="S::el16121@ntua.gr::59dfc4f9-6957-40e2-b110-cf7d12c017df" providerId="AD" clId="Web-{E30A9C8A-847B-4603-8622-40F07B62A683}" dt="2020-09-20T13:53:18.680" v="470" actId="20577"/>
-          <ac:spMkLst>
-            <pc:docMk/>
-            <pc:sldMk cId="462437578" sldId="262"/>
-            <ac:spMk id="5" creationId="{D96F0320-E9D3-4DEC-9EAC-245963B3E74E}"/>
-          </ac:spMkLst>
-        </pc:spChg>
-        <pc:spChg chg="del mod">
-          <ac:chgData name="Παναγιωτης Λουλακης" userId="S::el16121@ntua.gr::59dfc4f9-6957-40e2-b110-cf7d12c017df" providerId="AD" clId="Web-{E30A9C8A-847B-4603-8622-40F07B62A683}" dt="2020-09-20T13:50:52.598" v="417"/>
-          <ac:spMkLst>
-            <pc:docMk/>
-            <pc:sldMk cId="462437578" sldId="262"/>
-            <ac:spMk id="8" creationId="{3313BB6A-C1EC-410E-A552-0049BFA377B9}"/>
-          </ac:spMkLst>
-        </pc:spChg>
-        <pc:picChg chg="mod">
-          <ac:chgData name="Παναγιωτης Λουλακης" userId="S::el16121@ntua.gr::59dfc4f9-6957-40e2-b110-cf7d12c017df" providerId="AD" clId="Web-{E30A9C8A-847B-4603-8622-40F07B62A683}" dt="2020-09-20T13:50:39.472" v="407" actId="1076"/>
-          <ac:picMkLst>
-            <pc:docMk/>
-            <pc:sldMk cId="462437578" sldId="262"/>
-            <ac:picMk id="4" creationId="{7F270227-ADCF-475C-AF31-C994581DEFD2}"/>
-          </ac:picMkLst>
-        </pc:picChg>
-        <pc:picChg chg="mod">
-          <ac:chgData name="Παναγιωτης Λουλακης" userId="S::el16121@ntua.gr::59dfc4f9-6957-40e2-b110-cf7d12c017df" providerId="AD" clId="Web-{E30A9C8A-847B-4603-8622-40F07B62A683}" dt="2020-09-20T13:50:40.894" v="408" actId="1076"/>
-          <ac:picMkLst>
-            <pc:docMk/>
-            <pc:sldMk cId="462437578" sldId="262"/>
-            <ac:picMk id="6" creationId="{0A49D7AC-12C6-400A-9C3A-EACD75848D6B}"/>
-          </ac:picMkLst>
-        </pc:picChg>
-        <pc:picChg chg="mod">
-          <ac:chgData name="Παναγιωτης Λουλακης" userId="S::el16121@ntua.gr::59dfc4f9-6957-40e2-b110-cf7d12c017df" providerId="AD" clId="Web-{E30A9C8A-847B-4603-8622-40F07B62A683}" dt="2020-09-20T13:52:24.975" v="463" actId="1076"/>
-          <ac:picMkLst>
-            <pc:docMk/>
-            <pc:sldMk cId="462437578" sldId="262"/>
-            <ac:picMk id="7" creationId="{E8EF74F2-D410-4E16-BF2E-42A9E2D3DC53}"/>
-          </ac:picMkLst>
-        </pc:picChg>
-        <pc:picChg chg="mod">
-          <ac:chgData name="Παναγιωτης Λουλακης" userId="S::el16121@ntua.gr::59dfc4f9-6957-40e2-b110-cf7d12c017df" providerId="AD" clId="Web-{E30A9C8A-847B-4603-8622-40F07B62A683}" dt="2020-09-20T13:52:21.975" v="462" actId="1076"/>
-          <ac:picMkLst>
-            <pc:docMk/>
-            <pc:sldMk cId="462437578" sldId="262"/>
-            <ac:picMk id="9" creationId="{714ACE60-5A0E-41AC-BA42-517994E007BB}"/>
-          </ac:picMkLst>
-        </pc:picChg>
-      </pc:sldChg>
-      <pc:sldChg chg="addSp modSp">
-        <pc:chgData name="Παναγιωτης Λουλακης" userId="S::el16121@ntua.gr::59dfc4f9-6957-40e2-b110-cf7d12c017df" providerId="AD" clId="Web-{E30A9C8A-847B-4603-8622-40F07B62A683}" dt="2020-09-20T13:54:04.290" v="491" actId="20577"/>
-        <pc:sldMkLst>
-          <pc:docMk/>
-          <pc:sldMk cId="3478524668" sldId="263"/>
-        </pc:sldMkLst>
-        <pc:spChg chg="mod">
-          <ac:chgData name="Παναγιωτης Λουλακης" userId="S::el16121@ntua.gr::59dfc4f9-6957-40e2-b110-cf7d12c017df" providerId="AD" clId="Web-{E30A9C8A-847B-4603-8622-40F07B62A683}" dt="2020-09-20T13:54:04.290" v="491" actId="20577"/>
-          <ac:spMkLst>
-            <pc:docMk/>
-            <pc:sldMk cId="3478524668" sldId="263"/>
-            <ac:spMk id="3" creationId="{1C06589B-0EDD-4A85-8A52-379A5101CDB3}"/>
-          </ac:spMkLst>
-        </pc:spChg>
-        <pc:picChg chg="mod">
-          <ac:chgData name="Παναγιωτης Λουλακης" userId="S::el16121@ntua.gr::59dfc4f9-6957-40e2-b110-cf7d12c017df" providerId="AD" clId="Web-{E30A9C8A-847B-4603-8622-40F07B62A683}" dt="2020-09-20T13:32:44.148" v="7" actId="1076"/>
-          <ac:picMkLst>
-            <pc:docMk/>
-            <pc:sldMk cId="3478524668" sldId="263"/>
-            <ac:picMk id="4" creationId="{DF80AA7B-79CC-4DD0-89E4-A8796A2FAB8E}"/>
-          </ac:picMkLst>
-        </pc:picChg>
-        <pc:picChg chg="mod">
-          <ac:chgData name="Παναγιωτης Λουλακης" userId="S::el16121@ntua.gr::59dfc4f9-6957-40e2-b110-cf7d12c017df" providerId="AD" clId="Web-{E30A9C8A-847B-4603-8622-40F07B62A683}" dt="2020-09-20T13:32:40.992" v="6" actId="1076"/>
-          <ac:picMkLst>
-            <pc:docMk/>
-            <pc:sldMk cId="3478524668" sldId="263"/>
-            <ac:picMk id="6" creationId="{F6B7DA05-24BF-4680-B1B7-C62473725E9B}"/>
-          </ac:picMkLst>
-        </pc:picChg>
-        <pc:picChg chg="add mod">
-          <ac:chgData name="Παναγιωτης Λουλακης" userId="S::el16121@ntua.gr::59dfc4f9-6957-40e2-b110-cf7d12c017df" providerId="AD" clId="Web-{E30A9C8A-847B-4603-8622-40F07B62A683}" dt="2020-09-20T13:32:39.210" v="5" actId="1076"/>
-          <ac:picMkLst>
-            <pc:docMk/>
-            <pc:sldMk cId="3478524668" sldId="263"/>
-            <ac:picMk id="7" creationId="{AAF666D3-E8E7-479A-A0B3-720422C5F915}"/>
-          </ac:picMkLst>
-        </pc:picChg>
-      </pc:sldChg>
-      <pc:sldChg chg="modSp new">
-        <pc:chgData name="Παναγιωτης Λουλακης" userId="S::el16121@ntua.gr::59dfc4f9-6957-40e2-b110-cf7d12c017df" providerId="AD" clId="Web-{E30A9C8A-847B-4603-8622-40F07B62A683}" dt="2020-09-20T13:38:00.125" v="69" actId="1076"/>
-        <pc:sldMkLst>
-          <pc:docMk/>
-          <pc:sldMk cId="1670210608" sldId="264"/>
-        </pc:sldMkLst>
-        <pc:spChg chg="mod">
-          <ac:chgData name="Παναγιωτης Λουλακης" userId="S::el16121@ntua.gr::59dfc4f9-6957-40e2-b110-cf7d12c017df" providerId="AD" clId="Web-{E30A9C8A-847B-4603-8622-40F07B62A683}" dt="2020-09-20T13:38:00.125" v="69" actId="1076"/>
-          <ac:spMkLst>
-            <pc:docMk/>
-            <pc:sldMk cId="1670210608" sldId="264"/>
-            <ac:spMk id="2" creationId="{5C8441BD-DE3A-43F0-83E4-918C28E39A05}"/>
-          </ac:spMkLst>
-        </pc:spChg>
-      </pc:sldChg>
-    </pc:docChg>
-  </pc:docChgLst>
-</pc:chgInfo>
 </file>
 
 <file path=ppt/slideLayouts/slideLayout1.xml><?xml version="1.0" encoding="utf-8"?>
@@ -819,7 +264,7 @@
           <a:p>
             <a:fld id="{846CE7D5-CF57-46EF-B807-FDD0502418D4}" type="datetimeFigureOut">
               <a:rPr lang="en-US" smtClean="0"/>
-              <a:t>9/20/2020</a:t>
+              <a:t>9/25/2020</a:t>
             </a:fld>
             <a:endParaRPr lang="en-US"/>
           </a:p>
@@ -989,7 +434,7 @@
           <a:p>
             <a:fld id="{846CE7D5-CF57-46EF-B807-FDD0502418D4}" type="datetimeFigureOut">
               <a:rPr lang="en-US" smtClean="0"/>
-              <a:t>9/20/2020</a:t>
+              <a:t>9/25/2020</a:t>
             </a:fld>
             <a:endParaRPr lang="en-US"/>
           </a:p>
@@ -1169,7 +614,7 @@
           <a:p>
             <a:fld id="{846CE7D5-CF57-46EF-B807-FDD0502418D4}" type="datetimeFigureOut">
               <a:rPr lang="en-US" smtClean="0"/>
-              <a:t>9/20/2020</a:t>
+              <a:t>9/25/2020</a:t>
             </a:fld>
             <a:endParaRPr lang="en-US"/>
           </a:p>
@@ -1339,7 +784,7 @@
           <a:p>
             <a:fld id="{846CE7D5-CF57-46EF-B807-FDD0502418D4}" type="datetimeFigureOut">
               <a:rPr lang="en-US" smtClean="0"/>
-              <a:t>9/20/2020</a:t>
+              <a:t>9/25/2020</a:t>
             </a:fld>
             <a:endParaRPr lang="en-US"/>
           </a:p>
@@ -1585,7 +1030,7 @@
           <a:p>
             <a:fld id="{846CE7D5-CF57-46EF-B807-FDD0502418D4}" type="datetimeFigureOut">
               <a:rPr lang="en-US" smtClean="0"/>
-              <a:t>9/20/2020</a:t>
+              <a:t>9/25/2020</a:t>
             </a:fld>
             <a:endParaRPr lang="en-US"/>
           </a:p>
@@ -1817,7 +1262,7 @@
           <a:p>
             <a:fld id="{846CE7D5-CF57-46EF-B807-FDD0502418D4}" type="datetimeFigureOut">
               <a:rPr lang="en-US" smtClean="0"/>
-              <a:t>9/20/2020</a:t>
+              <a:t>9/25/2020</a:t>
             </a:fld>
             <a:endParaRPr lang="en-US"/>
           </a:p>
@@ -2184,7 +1629,7 @@
           <a:p>
             <a:fld id="{846CE7D5-CF57-46EF-B807-FDD0502418D4}" type="datetimeFigureOut">
               <a:rPr lang="en-US" smtClean="0"/>
-              <a:t>9/20/2020</a:t>
+              <a:t>9/25/2020</a:t>
             </a:fld>
             <a:endParaRPr lang="en-US"/>
           </a:p>
@@ -2302,7 +1747,7 @@
           <a:p>
             <a:fld id="{846CE7D5-CF57-46EF-B807-FDD0502418D4}" type="datetimeFigureOut">
               <a:rPr lang="en-US" smtClean="0"/>
-              <a:t>9/20/2020</a:t>
+              <a:t>9/25/2020</a:t>
             </a:fld>
             <a:endParaRPr lang="en-US"/>
           </a:p>
@@ -2397,7 +1842,7 @@
           <a:p>
             <a:fld id="{846CE7D5-CF57-46EF-B807-FDD0502418D4}" type="datetimeFigureOut">
               <a:rPr lang="en-US" smtClean="0"/>
-              <a:t>9/20/2020</a:t>
+              <a:t>9/25/2020</a:t>
             </a:fld>
             <a:endParaRPr lang="en-US"/>
           </a:p>
@@ -2674,7 +2119,7 @@
           <a:p>
             <a:fld id="{846CE7D5-CF57-46EF-B807-FDD0502418D4}" type="datetimeFigureOut">
               <a:rPr lang="en-US" smtClean="0"/>
-              <a:t>9/20/2020</a:t>
+              <a:t>9/25/2020</a:t>
             </a:fld>
             <a:endParaRPr lang="en-US"/>
           </a:p>
@@ -2931,7 +2376,7 @@
           <a:p>
             <a:fld id="{846CE7D5-CF57-46EF-B807-FDD0502418D4}" type="datetimeFigureOut">
               <a:rPr lang="en-US" smtClean="0"/>
-              <a:t>9/20/2020</a:t>
+              <a:t>9/25/2020</a:t>
             </a:fld>
             <a:endParaRPr lang="en-US"/>
           </a:p>
@@ -3144,7 +2589,7 @@
           <a:p>
             <a:fld id="{846CE7D5-CF57-46EF-B807-FDD0502418D4}" type="datetimeFigureOut">
               <a:rPr lang="en-US" smtClean="0"/>
-              <a:t>9/20/2020</a:t>
+              <a:t>9/25/2020</a:t>
             </a:fld>
             <a:endParaRPr lang="en-US"/>
           </a:p>
@@ -3745,6 +3190,841 @@
 </p:sld>
 </file>
 
+<file path=ppt/slides/slide10.xml><?xml version="1.0" encoding="utf-8"?>
+<p:sld xmlns:a="http://schemas.openxmlformats.org/drawingml/2006/main" xmlns:r="http://schemas.openxmlformats.org/officeDocument/2006/relationships" xmlns:p="http://schemas.openxmlformats.org/presentationml/2006/main">
+  <p:cSld>
+    <p:spTree>
+      <p:nvGrpSpPr>
+        <p:cNvPr id="1" name=""/>
+        <p:cNvGrpSpPr/>
+        <p:nvPr/>
+      </p:nvGrpSpPr>
+      <p:grpSpPr>
+        <a:xfrm>
+          <a:off x="0" y="0"/>
+          <a:ext cx="0" cy="0"/>
+          <a:chOff x="0" y="0"/>
+          <a:chExt cx="0" cy="0"/>
+        </a:xfrm>
+      </p:grpSpPr>
+      <p:sp>
+        <p:nvSpPr>
+          <p:cNvPr id="2" name="Title 1">
+            <a:extLst>
+              <a:ext uri="{FF2B5EF4-FFF2-40B4-BE49-F238E27FC236}">
+                <a16:creationId xmlns:a16="http://schemas.microsoft.com/office/drawing/2014/main" id="{BBF25091-97C4-40B6-B1C1-97BB2BD1779B}"/>
+              </a:ext>
+            </a:extLst>
+          </p:cNvPr>
+          <p:cNvSpPr>
+            <a:spLocks noGrp="1"/>
+          </p:cNvSpPr>
+          <p:nvPr>
+            <p:ph type="title"/>
+          </p:nvPr>
+        </p:nvSpPr>
+        <p:spPr>
+          <a:xfrm>
+            <a:off x="4931421" y="324665"/>
+            <a:ext cx="2329158" cy="617510"/>
+          </a:xfrm>
+        </p:spPr>
+        <p:txBody>
+          <a:bodyPr>
+            <a:normAutofit fontScale="90000"/>
+          </a:bodyPr>
+          <a:lstStyle/>
+          <a:p>
+            <a:r>
+              <a:rPr lang="en-US" dirty="0">
+                <a:cs typeface="Calibri Light"/>
+              </a:rPr>
+              <a:t>Thank you</a:t>
+            </a:r>
+            <a:endParaRPr lang="en-US" dirty="0"/>
+          </a:p>
+        </p:txBody>
+      </p:sp>
+      <p:sp>
+        <p:nvSpPr>
+          <p:cNvPr id="3" name="Content Placeholder 2">
+            <a:extLst>
+              <a:ext uri="{FF2B5EF4-FFF2-40B4-BE49-F238E27FC236}">
+                <a16:creationId xmlns:a16="http://schemas.microsoft.com/office/drawing/2014/main" id="{1C06589B-0EDD-4A85-8A52-379A5101CDB3}"/>
+              </a:ext>
+            </a:extLst>
+          </p:cNvPr>
+          <p:cNvSpPr>
+            <a:spLocks noGrp="1"/>
+          </p:cNvSpPr>
+          <p:nvPr>
+            <p:ph idx="1"/>
+          </p:nvPr>
+        </p:nvSpPr>
+        <p:spPr>
+          <a:xfrm>
+            <a:off x="838200" y="1002935"/>
+            <a:ext cx="10515600" cy="4351338"/>
+          </a:xfrm>
+        </p:spPr>
+        <p:txBody>
+          <a:bodyPr vert="horz" lIns="91440" tIns="45720" rIns="91440" bIns="45720" rtlCol="0" anchor="t">
+            <a:normAutofit/>
+          </a:bodyPr>
+          <a:lstStyle/>
+          <a:p>
+            <a:r>
+              <a:rPr lang="en-US" dirty="0" err="1">
+                <a:cs typeface="Calibri"/>
+              </a:rPr>
+              <a:t>Ότ</a:t>
+            </a:r>
+            <a:r>
+              <a:rPr lang="en-US" dirty="0">
+                <a:cs typeface="Calibri"/>
+              </a:rPr>
+              <a:t>αν ο </a:t>
+            </a:r>
+            <a:r>
+              <a:rPr lang="en-US" dirty="0" err="1">
+                <a:cs typeface="Calibri"/>
+              </a:rPr>
+              <a:t>χρήστης</a:t>
+            </a:r>
+            <a:r>
+              <a:rPr lang="en-US" dirty="0">
+                <a:cs typeface="Calibri"/>
+              </a:rPr>
+              <a:t> α</a:t>
+            </a:r>
+            <a:r>
+              <a:rPr lang="en-US" dirty="0" err="1">
+                <a:cs typeface="Calibri"/>
+              </a:rPr>
+              <a:t>γοράσει</a:t>
+            </a:r>
+            <a:r>
+              <a:rPr lang="en-US" dirty="0">
+                <a:cs typeface="Calibri"/>
+              </a:rPr>
+              <a:t> τα π</a:t>
+            </a:r>
+            <a:r>
+              <a:rPr lang="en-US" dirty="0" err="1">
+                <a:cs typeface="Calibri"/>
+              </a:rPr>
+              <a:t>ροιόντ</a:t>
+            </a:r>
+            <a:r>
+              <a:rPr lang="en-US" dirty="0">
+                <a:cs typeface="Calibri"/>
+              </a:rPr>
+              <a:t>α, η α</a:t>
+            </a:r>
+            <a:r>
+              <a:rPr lang="en-US" dirty="0" err="1">
+                <a:cs typeface="Calibri"/>
+              </a:rPr>
+              <a:t>γορά</a:t>
+            </a:r>
+            <a:r>
+              <a:rPr lang="en-US" dirty="0">
+                <a:cs typeface="Calibri"/>
+              </a:rPr>
+              <a:t> </a:t>
+            </a:r>
+            <a:r>
+              <a:rPr lang="en-US" dirty="0" err="1">
+                <a:cs typeface="Calibri"/>
+              </a:rPr>
+              <a:t>του</a:t>
+            </a:r>
+            <a:r>
+              <a:rPr lang="en-US" dirty="0">
+                <a:cs typeface="Calibri"/>
+              </a:rPr>
+              <a:t> απ</a:t>
+            </a:r>
+            <a:r>
+              <a:rPr lang="en-US" dirty="0" err="1">
+                <a:cs typeface="Calibri"/>
+              </a:rPr>
+              <a:t>οθηκεύετ</a:t>
+            </a:r>
+            <a:r>
+              <a:rPr lang="en-US" dirty="0">
+                <a:cs typeface="Calibri"/>
+              </a:rPr>
+              <a:t>αι </a:t>
+            </a:r>
+            <a:r>
+              <a:rPr lang="en-US" dirty="0" err="1">
+                <a:cs typeface="Calibri"/>
+              </a:rPr>
+              <a:t>στην</a:t>
+            </a:r>
+            <a:r>
+              <a:rPr lang="en-US" dirty="0">
+                <a:cs typeface="Calibri"/>
+              </a:rPr>
+              <a:t> β</a:t>
+            </a:r>
+            <a:r>
+              <a:rPr lang="en-US" dirty="0" err="1">
+                <a:cs typeface="Calibri"/>
+              </a:rPr>
+              <a:t>άση</a:t>
+            </a:r>
+            <a:r>
+              <a:rPr lang="en-US" dirty="0">
+                <a:cs typeface="Calibri"/>
+              </a:rPr>
+              <a:t> κα</a:t>
+            </a:r>
+            <a:r>
+              <a:rPr lang="en-US" dirty="0" err="1">
+                <a:cs typeface="Calibri"/>
+              </a:rPr>
+              <a:t>θώς</a:t>
+            </a:r>
+            <a:r>
+              <a:rPr lang="en-US" dirty="0">
+                <a:cs typeface="Calibri"/>
+              </a:rPr>
+              <a:t> και </a:t>
+            </a:r>
+            <a:r>
+              <a:rPr lang="en-US" dirty="0" err="1">
+                <a:cs typeface="Calibri"/>
+              </a:rPr>
+              <a:t>στ</a:t>
+            </a:r>
+            <a:r>
+              <a:rPr lang="en-US" dirty="0">
+                <a:cs typeface="Calibri"/>
+              </a:rPr>
+              <a:t>α α</a:t>
+            </a:r>
+            <a:r>
+              <a:rPr lang="en-US" dirty="0" err="1">
+                <a:cs typeface="Calibri"/>
+              </a:rPr>
+              <a:t>ρχεί</a:t>
+            </a:r>
+            <a:r>
+              <a:rPr lang="en-US" dirty="0">
+                <a:cs typeface="Calibri"/>
+              </a:rPr>
+              <a:t>α </a:t>
+            </a:r>
+            <a:r>
+              <a:rPr lang="en-US" dirty="0" err="1">
+                <a:cs typeface="Calibri"/>
+              </a:rPr>
+              <a:t>του</a:t>
+            </a:r>
+            <a:r>
+              <a:rPr lang="en-US" dirty="0">
+                <a:cs typeface="Calibri"/>
+              </a:rPr>
+              <a:t> server. Έπ</a:t>
+            </a:r>
+            <a:r>
+              <a:rPr lang="en-US" dirty="0" err="1">
+                <a:cs typeface="Calibri"/>
+              </a:rPr>
+              <a:t>ειτ</a:t>
+            </a:r>
+            <a:r>
+              <a:rPr lang="en-US" dirty="0">
+                <a:cs typeface="Calibri"/>
+              </a:rPr>
+              <a:t>α παραπ</a:t>
+            </a:r>
+            <a:r>
+              <a:rPr lang="en-US" dirty="0" err="1">
+                <a:cs typeface="Calibri"/>
+              </a:rPr>
+              <a:t>έμ</a:t>
+            </a:r>
+            <a:r>
+              <a:rPr lang="en-US" dirty="0">
+                <a:cs typeface="Calibri"/>
+              </a:rPr>
+              <a:t>π</a:t>
+            </a:r>
+            <a:r>
+              <a:rPr lang="en-US" dirty="0" err="1">
+                <a:cs typeface="Calibri"/>
+              </a:rPr>
+              <a:t>ετ</a:t>
+            </a:r>
+            <a:r>
+              <a:rPr lang="en-US" dirty="0">
+                <a:cs typeface="Calibri"/>
+              </a:rPr>
+              <a:t>αι </a:t>
+            </a:r>
+            <a:r>
+              <a:rPr lang="en-US" dirty="0" err="1">
+                <a:cs typeface="Calibri"/>
+              </a:rPr>
+              <a:t>στη</a:t>
+            </a:r>
+            <a:r>
+              <a:rPr lang="en-US" dirty="0">
+                <a:cs typeface="Calibri"/>
+              </a:rPr>
+              <a:t> </a:t>
+            </a:r>
+            <a:r>
+              <a:rPr lang="en-US" dirty="0" err="1">
+                <a:cs typeface="Calibri"/>
+              </a:rPr>
+              <a:t>σελίδ</a:t>
+            </a:r>
+            <a:r>
+              <a:rPr lang="en-US" dirty="0">
+                <a:cs typeface="Calibri"/>
+              </a:rPr>
+              <a:t>α thank you όπ</a:t>
+            </a:r>
+            <a:r>
+              <a:rPr lang="en-US" dirty="0" err="1">
+                <a:cs typeface="Calibri"/>
+              </a:rPr>
+              <a:t>ου</a:t>
+            </a:r>
+            <a:r>
+              <a:rPr lang="en-US" dirty="0">
+                <a:cs typeface="Calibri"/>
+              </a:rPr>
+              <a:t> μπ</a:t>
+            </a:r>
+            <a:r>
+              <a:rPr lang="en-US" dirty="0" err="1">
+                <a:cs typeface="Calibri"/>
+              </a:rPr>
+              <a:t>ορεί</a:t>
+            </a:r>
+            <a:r>
+              <a:rPr lang="en-US" dirty="0">
+                <a:cs typeface="Calibri"/>
+              </a:rPr>
+              <a:t> να επ</a:t>
+            </a:r>
+            <a:r>
+              <a:rPr lang="en-US" dirty="0" err="1">
+                <a:cs typeface="Calibri"/>
+              </a:rPr>
+              <a:t>ιστρέψει</a:t>
+            </a:r>
+            <a:r>
+              <a:rPr lang="en-US" dirty="0">
+                <a:cs typeface="Calibri"/>
+              </a:rPr>
+              <a:t> </a:t>
+            </a:r>
+            <a:r>
+              <a:rPr lang="en-US" dirty="0" err="1">
+                <a:cs typeface="Calibri"/>
+              </a:rPr>
+              <a:t>στο</a:t>
+            </a:r>
+            <a:r>
+              <a:rPr lang="en-US" dirty="0">
+                <a:cs typeface="Calibri"/>
+              </a:rPr>
+              <a:t> </a:t>
+            </a:r>
+            <a:r>
+              <a:rPr lang="en-US" dirty="0" err="1">
+                <a:cs typeface="Calibri"/>
+              </a:rPr>
+              <a:t>homePage</a:t>
+            </a:r>
+            <a:endParaRPr lang="en-US" dirty="0" err="1"/>
+          </a:p>
+        </p:txBody>
+      </p:sp>
+      <p:pic>
+        <p:nvPicPr>
+          <p:cNvPr id="4" name="Picture 4" descr="A close up of a logo&#10;&#10;Description automatically generated">
+            <a:extLst>
+              <a:ext uri="{FF2B5EF4-FFF2-40B4-BE49-F238E27FC236}">
+                <a16:creationId xmlns:a16="http://schemas.microsoft.com/office/drawing/2014/main" id="{DF80AA7B-79CC-4DD0-89E4-A8796A2FAB8E}"/>
+              </a:ext>
+            </a:extLst>
+          </p:cNvPr>
+          <p:cNvPicPr>
+            <a:picLocks noChangeAspect="1"/>
+          </p:cNvPicPr>
+          <p:nvPr/>
+        </p:nvPicPr>
+        <p:blipFill>
+          <a:blip r:embed="rId2"/>
+          <a:stretch>
+            <a:fillRect/>
+          </a:stretch>
+        </p:blipFill>
+        <p:spPr>
+          <a:xfrm>
+            <a:off x="1002063" y="6049784"/>
+            <a:ext cx="5366368" cy="807229"/>
+          </a:xfrm>
+          <a:prstGeom prst="rect">
+            <a:avLst/>
+          </a:prstGeom>
+        </p:spPr>
+      </p:pic>
+      <p:pic>
+        <p:nvPicPr>
+          <p:cNvPr id="5" name="Picture 5" descr="A screenshot of a cell phone&#10;&#10;Description automatically generated">
+            <a:extLst>
+              <a:ext uri="{FF2B5EF4-FFF2-40B4-BE49-F238E27FC236}">
+                <a16:creationId xmlns:a16="http://schemas.microsoft.com/office/drawing/2014/main" id="{B54566FA-2DB9-46AA-ACA5-0998B9469A00}"/>
+              </a:ext>
+            </a:extLst>
+          </p:cNvPr>
+          <p:cNvPicPr>
+            <a:picLocks noChangeAspect="1"/>
+          </p:cNvPicPr>
+          <p:nvPr/>
+        </p:nvPicPr>
+        <p:blipFill>
+          <a:blip r:embed="rId3"/>
+          <a:stretch>
+            <a:fillRect/>
+          </a:stretch>
+        </p:blipFill>
+        <p:spPr>
+          <a:xfrm>
+            <a:off x="6774383" y="2294021"/>
+            <a:ext cx="4590881" cy="2060913"/>
+          </a:xfrm>
+          <a:prstGeom prst="rect">
+            <a:avLst/>
+          </a:prstGeom>
+        </p:spPr>
+      </p:pic>
+      <p:pic>
+        <p:nvPicPr>
+          <p:cNvPr id="6" name="Picture 6" descr="A close up of a logo&#10;&#10;Description automatically generated">
+            <a:extLst>
+              <a:ext uri="{FF2B5EF4-FFF2-40B4-BE49-F238E27FC236}">
+                <a16:creationId xmlns:a16="http://schemas.microsoft.com/office/drawing/2014/main" id="{F6B7DA05-24BF-4680-B1B7-C62473725E9B}"/>
+              </a:ext>
+            </a:extLst>
+          </p:cNvPr>
+          <p:cNvPicPr>
+            <a:picLocks noChangeAspect="1"/>
+          </p:cNvPicPr>
+          <p:nvPr/>
+        </p:nvPicPr>
+        <p:blipFill>
+          <a:blip r:embed="rId4"/>
+          <a:stretch>
+            <a:fillRect/>
+          </a:stretch>
+        </p:blipFill>
+        <p:spPr>
+          <a:xfrm>
+            <a:off x="6632772" y="4550425"/>
+            <a:ext cx="5265217" cy="1439026"/>
+          </a:xfrm>
+          <a:prstGeom prst="rect">
+            <a:avLst/>
+          </a:prstGeom>
+        </p:spPr>
+      </p:pic>
+      <p:pic>
+        <p:nvPicPr>
+          <p:cNvPr id="7" name="Picture 7" descr="A screenshot of a social media post&#10;&#10;Description automatically generated">
+            <a:extLst>
+              <a:ext uri="{FF2B5EF4-FFF2-40B4-BE49-F238E27FC236}">
+                <a16:creationId xmlns:a16="http://schemas.microsoft.com/office/drawing/2014/main" id="{AAF666D3-E8E7-479A-A0B3-720422C5F915}"/>
+              </a:ext>
+            </a:extLst>
+          </p:cNvPr>
+          <p:cNvPicPr>
+            <a:picLocks noChangeAspect="1"/>
+          </p:cNvPicPr>
+          <p:nvPr/>
+        </p:nvPicPr>
+        <p:blipFill>
+          <a:blip r:embed="rId5"/>
+          <a:stretch>
+            <a:fillRect/>
+          </a:stretch>
+        </p:blipFill>
+        <p:spPr>
+          <a:xfrm>
+            <a:off x="1035315" y="2343358"/>
+            <a:ext cx="4584138" cy="3645057"/>
+          </a:xfrm>
+          <a:prstGeom prst="rect">
+            <a:avLst/>
+          </a:prstGeom>
+        </p:spPr>
+      </p:pic>
+    </p:spTree>
+    <p:extLst>
+      <p:ext uri="{BB962C8B-B14F-4D97-AF65-F5344CB8AC3E}">
+        <p14:creationId xmlns:p14="http://schemas.microsoft.com/office/powerpoint/2010/main" val="3478524668"/>
+      </p:ext>
+    </p:extLst>
+  </p:cSld>
+  <p:clrMapOvr>
+    <a:masterClrMapping/>
+  </p:clrMapOvr>
+</p:sld>
+</file>
+
+<file path=ppt/slides/slide11.xml><?xml version="1.0" encoding="utf-8"?>
+<p:sld xmlns:a="http://schemas.openxmlformats.org/drawingml/2006/main" xmlns:r="http://schemas.openxmlformats.org/officeDocument/2006/relationships" xmlns:p="http://schemas.openxmlformats.org/presentationml/2006/main">
+  <p:cSld>
+    <p:spTree>
+      <p:nvGrpSpPr>
+        <p:cNvPr id="1" name=""/>
+        <p:cNvGrpSpPr/>
+        <p:nvPr/>
+      </p:nvGrpSpPr>
+      <p:grpSpPr>
+        <a:xfrm>
+          <a:off x="0" y="0"/>
+          <a:ext cx="0" cy="0"/>
+          <a:chOff x="0" y="0"/>
+          <a:chExt cx="0" cy="0"/>
+        </a:xfrm>
+      </p:grpSpPr>
+      <p:sp>
+        <p:nvSpPr>
+          <p:cNvPr id="2" name="Title 1">
+            <a:extLst>
+              <a:ext uri="{FF2B5EF4-FFF2-40B4-BE49-F238E27FC236}">
+                <a16:creationId xmlns:a16="http://schemas.microsoft.com/office/drawing/2014/main" id="{F95CCFF2-68DC-4EAA-8307-26CC445ACF7D}"/>
+              </a:ext>
+            </a:extLst>
+          </p:cNvPr>
+          <p:cNvSpPr>
+            <a:spLocks noGrp="1"/>
+          </p:cNvSpPr>
+          <p:nvPr>
+            <p:ph type="title"/>
+          </p:nvPr>
+        </p:nvSpPr>
+        <p:spPr/>
+        <p:txBody>
+          <a:bodyPr/>
+          <a:lstStyle/>
+          <a:p>
+            <a:r>
+              <a:rPr lang="en-US" dirty="0">
+                <a:cs typeface="Calibri Light"/>
+              </a:rPr>
+              <a:t>Deployment</a:t>
+            </a:r>
+            <a:endParaRPr lang="en-US" dirty="0"/>
+          </a:p>
+        </p:txBody>
+      </p:sp>
+      <p:sp>
+        <p:nvSpPr>
+          <p:cNvPr id="3" name="Content Placeholder 2">
+            <a:extLst>
+              <a:ext uri="{FF2B5EF4-FFF2-40B4-BE49-F238E27FC236}">
+                <a16:creationId xmlns:a16="http://schemas.microsoft.com/office/drawing/2014/main" id="{00725C83-405C-48FD-BE0A-66B721FB76B0}"/>
+              </a:ext>
+            </a:extLst>
+          </p:cNvPr>
+          <p:cNvSpPr>
+            <a:spLocks noGrp="1"/>
+          </p:cNvSpPr>
+          <p:nvPr>
+            <p:ph idx="1"/>
+          </p:nvPr>
+        </p:nvSpPr>
+        <p:spPr/>
+        <p:txBody>
+          <a:bodyPr vert="horz" lIns="91440" tIns="45720" rIns="91440" bIns="45720" rtlCol="0" anchor="t">
+            <a:normAutofit/>
+          </a:bodyPr>
+          <a:lstStyle/>
+          <a:p>
+            <a:r>
+              <a:rPr lang="en-US" dirty="0" err="1">
+                <a:cs typeface="Calibri"/>
+              </a:rPr>
+              <a:t>Οδηγίες</a:t>
+            </a:r>
+            <a:r>
+              <a:rPr lang="en-US" dirty="0">
+                <a:cs typeface="Calibri"/>
+              </a:rPr>
+              <a:t> </a:t>
+            </a:r>
+            <a:r>
+              <a:rPr lang="en-US" dirty="0" err="1">
+                <a:cs typeface="Calibri"/>
+              </a:rPr>
+              <a:t>στο</a:t>
+            </a:r>
+            <a:r>
+              <a:rPr lang="en-US" dirty="0">
+                <a:cs typeface="Calibri"/>
+              </a:rPr>
+              <a:t> video </a:t>
+            </a:r>
+            <a:r>
+              <a:rPr lang="en-US" dirty="0" err="1">
+                <a:cs typeface="Calibri"/>
+              </a:rPr>
+              <a:t>στο</a:t>
+            </a:r>
+            <a:r>
+              <a:rPr lang="en-US" dirty="0">
+                <a:cs typeface="Calibri"/>
+              </a:rPr>
+              <a:t> </a:t>
+            </a:r>
+            <a:r>
+              <a:rPr lang="en-US" dirty="0" err="1">
+                <a:cs typeface="Calibri"/>
+              </a:rPr>
+              <a:t>youtube</a:t>
+            </a:r>
+            <a:r>
+              <a:rPr lang="en-US" dirty="0">
+                <a:cs typeface="Calibri"/>
+              </a:rPr>
+              <a:t>:</a:t>
+            </a:r>
+          </a:p>
+          <a:p>
+            <a:pPr lvl="1"/>
+            <a:r>
+              <a:rPr lang="en-US" dirty="0">
+                <a:ea typeface="+mn-lt"/>
+                <a:cs typeface="+mn-lt"/>
+                <a:hlinkClick r:id="rId2"/>
+              </a:rPr>
+              <a:t>https://www.youtube.com/watch?v=p_WfclhZLxY&amp;fbclid=IwAR0HfYTI2OG18NXWCcaTPRB_VWuQVGkygzyiTXx2wBrkzzfQqZUhBkkxQYM</a:t>
+            </a:r>
+            <a:endParaRPr lang="en-US" dirty="0">
+              <a:ea typeface="+mn-lt"/>
+              <a:cs typeface="+mn-lt"/>
+            </a:endParaRPr>
+          </a:p>
+          <a:p>
+            <a:pPr lvl="1"/>
+            <a:endParaRPr lang="en-US" dirty="0">
+              <a:ea typeface="+mn-lt"/>
+              <a:cs typeface="+mn-lt"/>
+            </a:endParaRPr>
+          </a:p>
+          <a:p>
+            <a:pPr lvl="1"/>
+            <a:endParaRPr lang="en-US" dirty="0">
+              <a:ea typeface="+mn-lt"/>
+              <a:cs typeface="+mn-lt"/>
+            </a:endParaRPr>
+          </a:p>
+          <a:p>
+            <a:r>
+              <a:rPr lang="en-US" dirty="0">
+                <a:ea typeface="+mn-lt"/>
+                <a:cs typeface="+mn-lt"/>
+              </a:rPr>
+              <a:t>Και </a:t>
+            </a:r>
+            <a:r>
+              <a:rPr lang="en-US" dirty="0" err="1">
+                <a:ea typeface="+mn-lt"/>
+                <a:cs typeface="+mn-lt"/>
+              </a:rPr>
+              <a:t>στο</a:t>
+            </a:r>
+            <a:r>
+              <a:rPr lang="en-US" dirty="0">
+                <a:ea typeface="+mn-lt"/>
+                <a:cs typeface="+mn-lt"/>
+              </a:rPr>
+              <a:t> README.md </a:t>
+            </a:r>
+            <a:r>
+              <a:rPr lang="en-US" dirty="0" err="1">
+                <a:ea typeface="+mn-lt"/>
+                <a:cs typeface="+mn-lt"/>
+              </a:rPr>
+              <a:t>στο</a:t>
+            </a:r>
+            <a:r>
+              <a:rPr lang="en-US" dirty="0">
+                <a:ea typeface="+mn-lt"/>
+                <a:cs typeface="+mn-lt"/>
+              </a:rPr>
+              <a:t> </a:t>
+            </a:r>
+            <a:r>
+              <a:rPr lang="en-US" dirty="0" err="1">
+                <a:ea typeface="+mn-lt"/>
+                <a:cs typeface="+mn-lt"/>
+              </a:rPr>
+              <a:t>github</a:t>
+            </a:r>
+            <a:r>
+              <a:rPr lang="en-US" dirty="0">
+                <a:ea typeface="+mn-lt"/>
+                <a:cs typeface="+mn-lt"/>
+              </a:rPr>
+              <a:t>:</a:t>
+            </a:r>
+          </a:p>
+          <a:p>
+            <a:pPr lvl="1"/>
+            <a:r>
+              <a:rPr lang="en-US" dirty="0">
+                <a:ea typeface="+mn-lt"/>
+                <a:cs typeface="+mn-lt"/>
+              </a:rPr>
+              <a:t>https://github.com/panloul/interent-and-applications</a:t>
+            </a:r>
+          </a:p>
+        </p:txBody>
+      </p:sp>
+    </p:spTree>
+    <p:extLst>
+      <p:ext uri="{BB962C8B-B14F-4D97-AF65-F5344CB8AC3E}">
+        <p14:creationId xmlns:p14="http://schemas.microsoft.com/office/powerpoint/2010/main" val="3449692477"/>
+      </p:ext>
+    </p:extLst>
+  </p:cSld>
+  <p:clrMapOvr>
+    <a:masterClrMapping/>
+  </p:clrMapOvr>
+</p:sld>
+</file>
+
+<file path=ppt/slides/slide12.xml><?xml version="1.0" encoding="utf-8"?>
+<p:sld xmlns:a="http://schemas.openxmlformats.org/drawingml/2006/main" xmlns:r="http://schemas.openxmlformats.org/officeDocument/2006/relationships" xmlns:p="http://schemas.openxmlformats.org/presentationml/2006/main">
+  <p:cSld>
+    <p:spTree>
+      <p:nvGrpSpPr>
+        <p:cNvPr id="1" name=""/>
+        <p:cNvGrpSpPr/>
+        <p:nvPr/>
+      </p:nvGrpSpPr>
+      <p:grpSpPr>
+        <a:xfrm>
+          <a:off x="0" y="0"/>
+          <a:ext cx="0" cy="0"/>
+          <a:chOff x="0" y="0"/>
+          <a:chExt cx="0" cy="0"/>
+        </a:xfrm>
+      </p:grpSpPr>
+      <p:sp>
+        <p:nvSpPr>
+          <p:cNvPr id="2" name="Title 1">
+            <a:extLst>
+              <a:ext uri="{FF2B5EF4-FFF2-40B4-BE49-F238E27FC236}">
+                <a16:creationId xmlns:a16="http://schemas.microsoft.com/office/drawing/2014/main" id="{5C8441BD-DE3A-43F0-83E4-918C28E39A05}"/>
+              </a:ext>
+            </a:extLst>
+          </p:cNvPr>
+          <p:cNvSpPr>
+            <a:spLocks noGrp="1"/>
+          </p:cNvSpPr>
+          <p:nvPr>
+            <p:ph type="title"/>
+          </p:nvPr>
+        </p:nvSpPr>
+        <p:spPr>
+          <a:xfrm>
+            <a:off x="2389173" y="2084682"/>
+            <a:ext cx="7413654" cy="1339049"/>
+          </a:xfrm>
+        </p:spPr>
+        <p:txBody>
+          <a:bodyPr/>
+          <a:lstStyle/>
+          <a:p>
+            <a:r>
+              <a:rPr lang="en-US" dirty="0" err="1">
+                <a:cs typeface="Calibri Light"/>
+              </a:rPr>
+              <a:t>Ευχ</a:t>
+            </a:r>
+            <a:r>
+              <a:rPr lang="en-US" dirty="0">
+                <a:cs typeface="Calibri Light"/>
+              </a:rPr>
+              <a:t>α</a:t>
+            </a:r>
+            <a:r>
+              <a:rPr lang="en-US" dirty="0" err="1">
+                <a:cs typeface="Calibri Light"/>
+              </a:rPr>
+              <a:t>ριστώ</a:t>
+            </a:r>
+            <a:r>
+              <a:rPr lang="en-US" dirty="0">
+                <a:cs typeface="Calibri Light"/>
+              </a:rPr>
+              <a:t> </a:t>
+            </a:r>
+            <a:r>
+              <a:rPr lang="en-US" dirty="0" err="1">
+                <a:cs typeface="Calibri Light"/>
+              </a:rPr>
+              <a:t>γι</a:t>
+            </a:r>
+            <a:r>
+              <a:rPr lang="en-US" dirty="0">
+                <a:cs typeface="Calibri Light"/>
+              </a:rPr>
+              <a:t>α </a:t>
+            </a:r>
+            <a:r>
+              <a:rPr lang="en-US" dirty="0" err="1">
+                <a:cs typeface="Calibri Light"/>
+              </a:rPr>
+              <a:t>την</a:t>
+            </a:r>
+            <a:r>
+              <a:rPr lang="en-US" dirty="0">
+                <a:cs typeface="Calibri Light"/>
+              </a:rPr>
+              <a:t> π</a:t>
+            </a:r>
+            <a:r>
+              <a:rPr lang="en-US" dirty="0" err="1">
+                <a:cs typeface="Calibri Light"/>
+              </a:rPr>
+              <a:t>ροσοχή</a:t>
+            </a:r>
+            <a:r>
+              <a:rPr lang="en-US" dirty="0">
+                <a:cs typeface="Calibri Light"/>
+              </a:rPr>
+              <a:t> σας</a:t>
+            </a:r>
+            <a:endParaRPr lang="en-US" dirty="0"/>
+          </a:p>
+        </p:txBody>
+      </p:sp>
+    </p:spTree>
+    <p:extLst>
+      <p:ext uri="{BB962C8B-B14F-4D97-AF65-F5344CB8AC3E}">
+        <p14:creationId xmlns:p14="http://schemas.microsoft.com/office/powerpoint/2010/main" val="1670210608"/>
+      </p:ext>
+    </p:extLst>
+  </p:cSld>
+  <p:clrMapOvr>
+    <a:masterClrMapping/>
+  </p:clrMapOvr>
+</p:sld>
+</file>
+
 <file path=ppt/slides/slide2.xml><?xml version="1.0" encoding="utf-8"?>
 <p:sld xmlns:a="http://schemas.openxmlformats.org/drawingml/2006/main" xmlns:r="http://schemas.openxmlformats.org/officeDocument/2006/relationships" xmlns:p="http://schemas.openxmlformats.org/presentationml/2006/main">
   <p:cSld>
@@ -4526,6 +4806,862 @@
 </file>
 
 <file path=ppt/slides/slide3.xml><?xml version="1.0" encoding="utf-8"?>
+<p:sld xmlns:a="http://schemas.openxmlformats.org/drawingml/2006/main" xmlns:r="http://schemas.openxmlformats.org/officeDocument/2006/relationships" xmlns:p="http://schemas.openxmlformats.org/presentationml/2006/main">
+  <p:cSld>
+    <p:spTree>
+      <p:nvGrpSpPr>
+        <p:cNvPr id="1" name=""/>
+        <p:cNvGrpSpPr/>
+        <p:nvPr/>
+      </p:nvGrpSpPr>
+      <p:grpSpPr>
+        <a:xfrm>
+          <a:off x="0" y="0"/>
+          <a:ext cx="0" cy="0"/>
+          <a:chOff x="0" y="0"/>
+          <a:chExt cx="0" cy="0"/>
+        </a:xfrm>
+      </p:grpSpPr>
+      <p:sp>
+        <p:nvSpPr>
+          <p:cNvPr id="2" name="Title 1">
+            <a:extLst>
+              <a:ext uri="{FF2B5EF4-FFF2-40B4-BE49-F238E27FC236}">
+                <a16:creationId xmlns:a16="http://schemas.microsoft.com/office/drawing/2014/main" id="{06D16FE0-08EF-476B-A890-51D5242BEB1D}"/>
+              </a:ext>
+            </a:extLst>
+          </p:cNvPr>
+          <p:cNvSpPr>
+            <a:spLocks noGrp="1"/>
+          </p:cNvSpPr>
+          <p:nvPr>
+            <p:ph type="title"/>
+          </p:nvPr>
+        </p:nvSpPr>
+        <p:spPr>
+          <a:xfrm>
+            <a:off x="4602217" y="391401"/>
+            <a:ext cx="2987566" cy="1325563"/>
+          </a:xfrm>
+        </p:spPr>
+        <p:txBody>
+          <a:bodyPr/>
+          <a:lstStyle/>
+          <a:p>
+            <a:r>
+              <a:rPr lang="en-US" dirty="0">
+                <a:cs typeface="Calibri Light"/>
+              </a:rPr>
+              <a:t>Architecture</a:t>
+            </a:r>
+          </a:p>
+        </p:txBody>
+      </p:sp>
+      <p:sp>
+        <p:nvSpPr>
+          <p:cNvPr id="3" name="Content Placeholder 2">
+            <a:extLst>
+              <a:ext uri="{FF2B5EF4-FFF2-40B4-BE49-F238E27FC236}">
+                <a16:creationId xmlns:a16="http://schemas.microsoft.com/office/drawing/2014/main" id="{0B0AED8F-E9E0-4736-884A-86825E8001B6}"/>
+              </a:ext>
+            </a:extLst>
+          </p:cNvPr>
+          <p:cNvSpPr>
+            <a:spLocks noGrp="1"/>
+          </p:cNvSpPr>
+          <p:nvPr>
+            <p:ph idx="1"/>
+          </p:nvPr>
+        </p:nvSpPr>
+        <p:spPr>
+          <a:xfrm>
+            <a:off x="838200" y="1897884"/>
+            <a:ext cx="10515600" cy="4351338"/>
+          </a:xfrm>
+        </p:spPr>
+        <p:txBody>
+          <a:bodyPr vert="horz" lIns="91440" tIns="45720" rIns="91440" bIns="45720" rtlCol="0" anchor="t">
+            <a:normAutofit/>
+          </a:bodyPr>
+          <a:lstStyle/>
+          <a:p>
+            <a:r>
+              <a:rPr lang="en-US" dirty="0" err="1">
+                <a:cs typeface="Calibri"/>
+              </a:rPr>
+              <a:t>Το</a:t>
+            </a:r>
+            <a:r>
+              <a:rPr lang="en-US" dirty="0">
+                <a:cs typeface="Calibri"/>
+              </a:rPr>
+              <a:t> Backend </a:t>
+            </a:r>
+            <a:r>
+              <a:rPr lang="en-US" dirty="0" err="1">
+                <a:cs typeface="Calibri"/>
+              </a:rPr>
+              <a:t>της</a:t>
+            </a:r>
+            <a:r>
+              <a:rPr lang="en-US" dirty="0">
+                <a:cs typeface="Calibri"/>
+              </a:rPr>
+              <a:t> </a:t>
+            </a:r>
+            <a:r>
+              <a:rPr lang="en-US" dirty="0" err="1">
+                <a:cs typeface="Calibri"/>
+              </a:rPr>
+              <a:t>εφ</a:t>
+            </a:r>
+            <a:r>
+              <a:rPr lang="en-US" dirty="0">
+                <a:cs typeface="Calibri"/>
+              </a:rPr>
+              <a:t>α</a:t>
+            </a:r>
+            <a:r>
+              <a:rPr lang="en-US" dirty="0" err="1">
+                <a:cs typeface="Calibri"/>
+              </a:rPr>
+              <a:t>ρμογής</a:t>
+            </a:r>
+            <a:r>
+              <a:rPr lang="en-US" dirty="0">
+                <a:cs typeface="Calibri"/>
+              </a:rPr>
+              <a:t> </a:t>
+            </a:r>
+            <a:r>
+              <a:rPr lang="en-US" dirty="0" err="1">
+                <a:cs typeface="Calibri"/>
+              </a:rPr>
+              <a:t>έχει</a:t>
+            </a:r>
+            <a:r>
+              <a:rPr lang="en-US" dirty="0">
+                <a:cs typeface="Calibri"/>
+              </a:rPr>
+              <a:t> </a:t>
+            </a:r>
+            <a:r>
+              <a:rPr lang="en-US" dirty="0" err="1">
+                <a:cs typeface="Calibri"/>
+              </a:rPr>
+              <a:t>υλο</a:t>
+            </a:r>
+            <a:r>
+              <a:rPr lang="en-US" dirty="0">
+                <a:cs typeface="Calibri"/>
+              </a:rPr>
+              <a:t>π</a:t>
+            </a:r>
+            <a:r>
+              <a:rPr lang="en-US" dirty="0" err="1">
+                <a:cs typeface="Calibri"/>
+              </a:rPr>
+              <a:t>οιηθεί</a:t>
+            </a:r>
+            <a:r>
+              <a:rPr lang="en-US" dirty="0">
+                <a:cs typeface="Calibri"/>
+              </a:rPr>
+              <a:t> </a:t>
+            </a:r>
+            <a:r>
+              <a:rPr lang="en-US" dirty="0" err="1">
+                <a:cs typeface="Calibri"/>
+              </a:rPr>
+              <a:t>με</a:t>
+            </a:r>
+            <a:r>
+              <a:rPr lang="en-US" dirty="0">
+                <a:cs typeface="Calibri"/>
+              </a:rPr>
+              <a:t> </a:t>
+            </a:r>
+            <a:r>
+              <a:rPr lang="en-US" dirty="0" err="1">
+                <a:cs typeface="Calibri"/>
+              </a:rPr>
+              <a:t>jsp</a:t>
+            </a:r>
+            <a:r>
+              <a:rPr lang="en-US" dirty="0">
+                <a:cs typeface="Calibri"/>
+              </a:rPr>
+              <a:t> και java servlets</a:t>
+            </a:r>
+          </a:p>
+          <a:p>
+            <a:r>
+              <a:rPr lang="en-US" dirty="0">
+                <a:cs typeface="Calibri"/>
+              </a:rPr>
+              <a:t>Η </a:t>
+            </a:r>
+            <a:r>
+              <a:rPr lang="en-US" dirty="0" err="1">
+                <a:cs typeface="Calibri"/>
+              </a:rPr>
+              <a:t>εφ</a:t>
+            </a:r>
+            <a:r>
+              <a:rPr lang="en-US" dirty="0">
+                <a:cs typeface="Calibri"/>
+              </a:rPr>
+              <a:t>α</a:t>
+            </a:r>
+            <a:r>
+              <a:rPr lang="en-US" dirty="0" err="1">
+                <a:cs typeface="Calibri"/>
+              </a:rPr>
+              <a:t>ρμογή</a:t>
+            </a:r>
+            <a:r>
+              <a:rPr lang="en-US" dirty="0">
+                <a:cs typeface="Calibri"/>
+              </a:rPr>
+              <a:t> </a:t>
+            </a:r>
+            <a:r>
+              <a:rPr lang="en-US" dirty="0" err="1">
+                <a:cs typeface="Calibri"/>
+              </a:rPr>
+              <a:t>τρέχει</a:t>
+            </a:r>
+            <a:r>
+              <a:rPr lang="en-US" dirty="0">
+                <a:cs typeface="Calibri"/>
+              </a:rPr>
+              <a:t> </a:t>
+            </a:r>
+            <a:r>
+              <a:rPr lang="en-US" dirty="0" err="1">
+                <a:cs typeface="Calibri"/>
+              </a:rPr>
+              <a:t>σε</a:t>
+            </a:r>
+            <a:r>
+              <a:rPr lang="en-US" dirty="0">
+                <a:cs typeface="Calibri"/>
+              </a:rPr>
+              <a:t> tomcat server 9.033 και αναπ</a:t>
+            </a:r>
+            <a:r>
+              <a:rPr lang="en-US" dirty="0" err="1">
+                <a:cs typeface="Calibri"/>
+              </a:rPr>
+              <a:t>τύχθηκε</a:t>
+            </a:r>
+            <a:r>
+              <a:rPr lang="en-US" dirty="0">
+                <a:cs typeface="Calibri"/>
+              </a:rPr>
+              <a:t> </a:t>
+            </a:r>
+            <a:r>
+              <a:rPr lang="en-US" dirty="0" err="1">
+                <a:cs typeface="Calibri"/>
+              </a:rPr>
+              <a:t>με</a:t>
+            </a:r>
+            <a:r>
+              <a:rPr lang="en-US" dirty="0">
+                <a:cs typeface="Calibri"/>
+              </a:rPr>
+              <a:t> </a:t>
+            </a:r>
+            <a:r>
+              <a:rPr lang="en-US" dirty="0" err="1">
+                <a:cs typeface="Calibri"/>
+              </a:rPr>
+              <a:t>χρήση</a:t>
+            </a:r>
+            <a:r>
+              <a:rPr lang="en-US" dirty="0">
+                <a:cs typeface="Calibri"/>
+              </a:rPr>
+              <a:t> </a:t>
+            </a:r>
+            <a:r>
+              <a:rPr lang="en-US" dirty="0" err="1">
+                <a:cs typeface="Calibri"/>
+              </a:rPr>
+              <a:t>του</a:t>
+            </a:r>
+            <a:r>
+              <a:rPr lang="en-US" dirty="0">
+                <a:cs typeface="Calibri"/>
+              </a:rPr>
+              <a:t> eclipse 2020</a:t>
+            </a:r>
+          </a:p>
+          <a:p>
+            <a:r>
+              <a:rPr lang="en-US" dirty="0">
+                <a:cs typeface="Calibri"/>
+              </a:rPr>
+              <a:t>Η β</a:t>
+            </a:r>
+            <a:r>
+              <a:rPr lang="en-US" dirty="0" err="1">
+                <a:cs typeface="Calibri"/>
+              </a:rPr>
+              <a:t>άση</a:t>
+            </a:r>
+            <a:r>
+              <a:rPr lang="en-US" dirty="0">
+                <a:cs typeface="Calibri"/>
+              </a:rPr>
+              <a:t> </a:t>
+            </a:r>
+            <a:r>
+              <a:rPr lang="en-US" dirty="0" err="1">
+                <a:cs typeface="Calibri"/>
+              </a:rPr>
+              <a:t>δεδομένων</a:t>
+            </a:r>
+            <a:r>
+              <a:rPr lang="en-US" dirty="0">
+                <a:cs typeface="Calibri"/>
+              </a:rPr>
+              <a:t> </a:t>
+            </a:r>
+            <a:r>
+              <a:rPr lang="en-US" dirty="0" err="1">
+                <a:cs typeface="Calibri"/>
+              </a:rPr>
+              <a:t>είν</a:t>
+            </a:r>
+            <a:r>
+              <a:rPr lang="en-US" dirty="0">
+                <a:cs typeface="Calibri"/>
+              </a:rPr>
+              <a:t>αι </a:t>
+            </a:r>
+            <a:r>
+              <a:rPr lang="en-US" dirty="0" err="1">
+                <a:cs typeface="Calibri"/>
+              </a:rPr>
+              <a:t>mysql</a:t>
+            </a:r>
+            <a:r>
+              <a:rPr lang="en-US" dirty="0">
+                <a:cs typeface="Calibri"/>
+              </a:rPr>
+              <a:t> και η </a:t>
+            </a:r>
+            <a:r>
+              <a:rPr lang="en-US" dirty="0" err="1">
+                <a:cs typeface="Calibri"/>
+              </a:rPr>
+              <a:t>σύνδεση</a:t>
+            </a:r>
+            <a:r>
+              <a:rPr lang="en-US" dirty="0">
+                <a:cs typeface="Calibri"/>
+              </a:rPr>
+              <a:t> </a:t>
+            </a:r>
+            <a:r>
+              <a:rPr lang="en-US" dirty="0" err="1">
+                <a:cs typeface="Calibri"/>
+              </a:rPr>
+              <a:t>σε</a:t>
+            </a:r>
+            <a:r>
+              <a:rPr lang="en-US" dirty="0">
+                <a:cs typeface="Calibri"/>
+              </a:rPr>
+              <a:t> α</a:t>
+            </a:r>
+            <a:r>
+              <a:rPr lang="en-US" dirty="0" err="1">
+                <a:cs typeface="Calibri"/>
+              </a:rPr>
+              <a:t>υτή</a:t>
+            </a:r>
+            <a:r>
+              <a:rPr lang="en-US" dirty="0">
+                <a:cs typeface="Calibri"/>
+              </a:rPr>
+              <a:t> </a:t>
+            </a:r>
+            <a:r>
+              <a:rPr lang="en-US" dirty="0" err="1">
+                <a:cs typeface="Calibri"/>
+              </a:rPr>
+              <a:t>γίνετ</a:t>
+            </a:r>
+            <a:r>
+              <a:rPr lang="en-US" dirty="0">
+                <a:cs typeface="Calibri"/>
+              </a:rPr>
+              <a:t>αι </a:t>
+            </a:r>
+            <a:r>
+              <a:rPr lang="en-US" dirty="0" err="1">
+                <a:cs typeface="Calibri"/>
+              </a:rPr>
+              <a:t>μέσω</a:t>
+            </a:r>
+            <a:r>
+              <a:rPr lang="en-US" dirty="0">
+                <a:cs typeface="Calibri"/>
+              </a:rPr>
+              <a:t> </a:t>
+            </a:r>
+            <a:r>
+              <a:rPr lang="en-US" dirty="0" err="1">
+                <a:cs typeface="Calibri"/>
+              </a:rPr>
+              <a:t>xampp</a:t>
+            </a:r>
+          </a:p>
+        </p:txBody>
+      </p:sp>
+    </p:spTree>
+    <p:extLst>
+      <p:ext uri="{BB962C8B-B14F-4D97-AF65-F5344CB8AC3E}">
+        <p14:creationId xmlns:p14="http://schemas.microsoft.com/office/powerpoint/2010/main" val="2577680523"/>
+      </p:ext>
+    </p:extLst>
+  </p:cSld>
+  <p:clrMapOvr>
+    <a:masterClrMapping/>
+  </p:clrMapOvr>
+</p:sld>
+</file>
+
+<file path=ppt/slides/slide4.xml><?xml version="1.0" encoding="utf-8"?>
+<p:sld xmlns:a="http://schemas.openxmlformats.org/drawingml/2006/main" xmlns:r="http://schemas.openxmlformats.org/officeDocument/2006/relationships" xmlns:p="http://schemas.openxmlformats.org/presentationml/2006/main">
+  <p:cSld>
+    <p:spTree>
+      <p:nvGrpSpPr>
+        <p:cNvPr id="1" name=""/>
+        <p:cNvGrpSpPr/>
+        <p:nvPr/>
+      </p:nvGrpSpPr>
+      <p:grpSpPr>
+        <a:xfrm>
+          <a:off x="0" y="0"/>
+          <a:ext cx="0" cy="0"/>
+          <a:chOff x="0" y="0"/>
+          <a:chExt cx="0" cy="0"/>
+        </a:xfrm>
+      </p:grpSpPr>
+      <p:sp>
+        <p:nvSpPr>
+          <p:cNvPr id="2" name="Title 1">
+            <a:extLst>
+              <a:ext uri="{FF2B5EF4-FFF2-40B4-BE49-F238E27FC236}">
+                <a16:creationId xmlns:a16="http://schemas.microsoft.com/office/drawing/2014/main" id="{033D7DE8-017A-4CD7-90D4-DB43F52FF1E2}"/>
+              </a:ext>
+            </a:extLst>
+          </p:cNvPr>
+          <p:cNvSpPr>
+            <a:spLocks noGrp="1"/>
+          </p:cNvSpPr>
+          <p:nvPr>
+            <p:ph type="title"/>
+          </p:nvPr>
+        </p:nvSpPr>
+        <p:spPr/>
+        <p:txBody>
+          <a:bodyPr/>
+          <a:lstStyle/>
+          <a:p>
+            <a:r>
+              <a:rPr lang="en-US" dirty="0">
+                <a:cs typeface="Calibri Light"/>
+              </a:rPr>
+              <a:t>Database Schema</a:t>
+            </a:r>
+            <a:endParaRPr lang="en-US" dirty="0"/>
+          </a:p>
+        </p:txBody>
+      </p:sp>
+      <p:sp>
+        <p:nvSpPr>
+          <p:cNvPr id="3" name="Content Placeholder 2">
+            <a:extLst>
+              <a:ext uri="{FF2B5EF4-FFF2-40B4-BE49-F238E27FC236}">
+                <a16:creationId xmlns:a16="http://schemas.microsoft.com/office/drawing/2014/main" id="{FBEBFDA0-252E-4C9A-BABC-D56C2189B715}"/>
+              </a:ext>
+            </a:extLst>
+          </p:cNvPr>
+          <p:cNvSpPr>
+            <a:spLocks noGrp="1"/>
+          </p:cNvSpPr>
+          <p:nvPr>
+            <p:ph idx="1"/>
+          </p:nvPr>
+        </p:nvSpPr>
+        <p:spPr>
+          <a:xfrm>
+            <a:off x="838200" y="1825625"/>
+            <a:ext cx="3217480" cy="4351338"/>
+          </a:xfrm>
+        </p:spPr>
+        <p:txBody>
+          <a:bodyPr vert="horz" lIns="91440" tIns="45720" rIns="91440" bIns="45720" rtlCol="0" anchor="t">
+            <a:normAutofit/>
+          </a:bodyPr>
+          <a:lstStyle/>
+          <a:p>
+            <a:r>
+              <a:rPr lang="en-US" dirty="0">
+                <a:cs typeface="Calibri"/>
+              </a:rPr>
+              <a:t>Users:</a:t>
+            </a:r>
+          </a:p>
+          <a:p>
+            <a:pPr lvl="1"/>
+            <a:r>
+              <a:rPr lang="en-US" dirty="0" err="1">
+                <a:cs typeface="Calibri"/>
+              </a:rPr>
+              <a:t>User_id</a:t>
+            </a:r>
+          </a:p>
+          <a:p>
+            <a:pPr lvl="1"/>
+            <a:r>
+              <a:rPr lang="en-US" dirty="0">
+                <a:cs typeface="Calibri"/>
+              </a:rPr>
+              <a:t>Username</a:t>
+            </a:r>
+          </a:p>
+          <a:p>
+            <a:pPr lvl="1"/>
+            <a:r>
+              <a:rPr lang="en-US" dirty="0">
+                <a:cs typeface="Calibri"/>
+              </a:rPr>
+              <a:t>Password</a:t>
+            </a:r>
+          </a:p>
+          <a:p>
+            <a:pPr lvl="1"/>
+            <a:r>
+              <a:rPr lang="en-US" dirty="0">
+                <a:cs typeface="Calibri"/>
+              </a:rPr>
+              <a:t>Name</a:t>
+            </a:r>
+          </a:p>
+          <a:p>
+            <a:pPr lvl="1"/>
+            <a:r>
+              <a:rPr lang="en-US" dirty="0">
+                <a:cs typeface="Calibri"/>
+              </a:rPr>
+              <a:t>Date</a:t>
+            </a:r>
+          </a:p>
+          <a:p>
+            <a:r>
+              <a:rPr lang="en-US" dirty="0">
+                <a:cs typeface="Calibri"/>
+              </a:rPr>
+              <a:t>Products</a:t>
+            </a:r>
+          </a:p>
+          <a:p>
+            <a:pPr lvl="1"/>
+            <a:r>
+              <a:rPr lang="en-US" dirty="0" err="1">
+                <a:cs typeface="Calibri"/>
+              </a:rPr>
+              <a:t>Product_id</a:t>
+            </a:r>
+          </a:p>
+          <a:p>
+            <a:pPr lvl="1"/>
+            <a:r>
+              <a:rPr lang="en-US" dirty="0" err="1">
+                <a:cs typeface="Calibri"/>
+              </a:rPr>
+              <a:t>Product_name</a:t>
+            </a:r>
+          </a:p>
+          <a:p>
+            <a:pPr lvl="1"/>
+            <a:r>
+              <a:rPr lang="en-US" dirty="0" err="1">
+                <a:cs typeface="Calibri"/>
+              </a:rPr>
+              <a:t>Product_price</a:t>
+            </a:r>
+          </a:p>
+          <a:p>
+            <a:pPr lvl="1"/>
+            <a:endParaRPr lang="en-US" dirty="0">
+              <a:cs typeface="Calibri"/>
+            </a:endParaRPr>
+          </a:p>
+        </p:txBody>
+      </p:sp>
+      <p:sp>
+        <p:nvSpPr>
+          <p:cNvPr id="6" name="Content Placeholder 2">
+            <a:extLst>
+              <a:ext uri="{FF2B5EF4-FFF2-40B4-BE49-F238E27FC236}">
+                <a16:creationId xmlns:a16="http://schemas.microsoft.com/office/drawing/2014/main" id="{A237C5B3-D2B6-4184-B796-FDAA1324E7B0}"/>
+              </a:ext>
+            </a:extLst>
+          </p:cNvPr>
+          <p:cNvSpPr txBox="1">
+            <a:spLocks/>
+          </p:cNvSpPr>
+          <p:nvPr/>
+        </p:nvSpPr>
+        <p:spPr>
+          <a:xfrm>
+            <a:off x="5575738" y="1636438"/>
+            <a:ext cx="3217480" cy="4351338"/>
+          </a:xfrm>
+          <a:prstGeom prst="rect">
+            <a:avLst/>
+          </a:prstGeom>
+        </p:spPr>
+        <p:txBody>
+          <a:bodyPr vert="horz" lIns="91440" tIns="45720" rIns="91440" bIns="45720" rtlCol="0" anchor="t">
+            <a:normAutofit/>
+          </a:bodyPr>
+          <a:lstStyle>
+            <a:lvl1pPr marL="228600" indent="-228600" algn="l" defTabSz="914400" rtl="0" eaLnBrk="1" latinLnBrk="0" hangingPunct="1">
+              <a:lnSpc>
+                <a:spcPct val="90000"/>
+              </a:lnSpc>
+              <a:spcBef>
+                <a:spcPts val="1000"/>
+              </a:spcBef>
+              <a:buFont typeface="Arial" panose="020B0604020202020204" pitchFamily="34" charset="0"/>
+              <a:buChar char="•"/>
+              <a:defRPr sz="2800" kern="1200">
+                <a:solidFill>
+                  <a:schemeClr val="tx1"/>
+                </a:solidFill>
+                <a:latin typeface="+mn-lt"/>
+                <a:ea typeface="+mn-ea"/>
+                <a:cs typeface="+mn-cs"/>
+              </a:defRPr>
+            </a:lvl1pPr>
+            <a:lvl2pPr marL="685800" indent="-228600" algn="l" defTabSz="914400" rtl="0" eaLnBrk="1" latinLnBrk="0" hangingPunct="1">
+              <a:lnSpc>
+                <a:spcPct val="90000"/>
+              </a:lnSpc>
+              <a:spcBef>
+                <a:spcPts val="500"/>
+              </a:spcBef>
+              <a:buFont typeface="Arial" panose="020B0604020202020204" pitchFamily="34" charset="0"/>
+              <a:buChar char="•"/>
+              <a:defRPr sz="2400" kern="1200">
+                <a:solidFill>
+                  <a:schemeClr val="tx1"/>
+                </a:solidFill>
+                <a:latin typeface="+mn-lt"/>
+                <a:ea typeface="+mn-ea"/>
+                <a:cs typeface="+mn-cs"/>
+              </a:defRPr>
+            </a:lvl2pPr>
+            <a:lvl3pPr marL="1143000" indent="-228600" algn="l" defTabSz="914400" rtl="0" eaLnBrk="1" latinLnBrk="0" hangingPunct="1">
+              <a:lnSpc>
+                <a:spcPct val="90000"/>
+              </a:lnSpc>
+              <a:spcBef>
+                <a:spcPts val="500"/>
+              </a:spcBef>
+              <a:buFont typeface="Arial" panose="020B0604020202020204" pitchFamily="34" charset="0"/>
+              <a:buChar char="•"/>
+              <a:defRPr sz="2000" kern="1200">
+                <a:solidFill>
+                  <a:schemeClr val="tx1"/>
+                </a:solidFill>
+                <a:latin typeface="+mn-lt"/>
+                <a:ea typeface="+mn-ea"/>
+                <a:cs typeface="+mn-cs"/>
+              </a:defRPr>
+            </a:lvl3pPr>
+            <a:lvl4pPr marL="1600200" indent="-228600" algn="l" defTabSz="914400" rtl="0" eaLnBrk="1" latinLnBrk="0" hangingPunct="1">
+              <a:lnSpc>
+                <a:spcPct val="90000"/>
+              </a:lnSpc>
+              <a:spcBef>
+                <a:spcPts val="500"/>
+              </a:spcBef>
+              <a:buFont typeface="Arial" panose="020B0604020202020204" pitchFamily="34" charset="0"/>
+              <a:buChar char="•"/>
+              <a:defRPr sz="1800" kern="1200">
+                <a:solidFill>
+                  <a:schemeClr val="tx1"/>
+                </a:solidFill>
+                <a:latin typeface="+mn-lt"/>
+                <a:ea typeface="+mn-ea"/>
+                <a:cs typeface="+mn-cs"/>
+              </a:defRPr>
+            </a:lvl4pPr>
+            <a:lvl5pPr marL="2057400" indent="-228600" algn="l" defTabSz="914400" rtl="0" eaLnBrk="1" latinLnBrk="0" hangingPunct="1">
+              <a:lnSpc>
+                <a:spcPct val="90000"/>
+              </a:lnSpc>
+              <a:spcBef>
+                <a:spcPts val="500"/>
+              </a:spcBef>
+              <a:buFont typeface="Arial" panose="020B0604020202020204" pitchFamily="34" charset="0"/>
+              <a:buChar char="•"/>
+              <a:defRPr sz="1800" kern="1200">
+                <a:solidFill>
+                  <a:schemeClr val="tx1"/>
+                </a:solidFill>
+                <a:latin typeface="+mn-lt"/>
+                <a:ea typeface="+mn-ea"/>
+                <a:cs typeface="+mn-cs"/>
+              </a:defRPr>
+            </a:lvl5pPr>
+            <a:lvl6pPr marL="2514600" indent="-228600" algn="l" defTabSz="914400" rtl="0" eaLnBrk="1" latinLnBrk="0" hangingPunct="1">
+              <a:lnSpc>
+                <a:spcPct val="90000"/>
+              </a:lnSpc>
+              <a:spcBef>
+                <a:spcPts val="500"/>
+              </a:spcBef>
+              <a:buFont typeface="Arial" panose="020B0604020202020204" pitchFamily="34" charset="0"/>
+              <a:buChar char="•"/>
+              <a:defRPr sz="1800" kern="1200">
+                <a:solidFill>
+                  <a:schemeClr val="tx1"/>
+                </a:solidFill>
+                <a:latin typeface="+mn-lt"/>
+                <a:ea typeface="+mn-ea"/>
+                <a:cs typeface="+mn-cs"/>
+              </a:defRPr>
+            </a:lvl6pPr>
+            <a:lvl7pPr marL="2971800" indent="-228600" algn="l" defTabSz="914400" rtl="0" eaLnBrk="1" latinLnBrk="0" hangingPunct="1">
+              <a:lnSpc>
+                <a:spcPct val="90000"/>
+              </a:lnSpc>
+              <a:spcBef>
+                <a:spcPts val="500"/>
+              </a:spcBef>
+              <a:buFont typeface="Arial" panose="020B0604020202020204" pitchFamily="34" charset="0"/>
+              <a:buChar char="•"/>
+              <a:defRPr sz="1800" kern="1200">
+                <a:solidFill>
+                  <a:schemeClr val="tx1"/>
+                </a:solidFill>
+                <a:latin typeface="+mn-lt"/>
+                <a:ea typeface="+mn-ea"/>
+                <a:cs typeface="+mn-cs"/>
+              </a:defRPr>
+            </a:lvl7pPr>
+            <a:lvl8pPr marL="3429000" indent="-228600" algn="l" defTabSz="914400" rtl="0" eaLnBrk="1" latinLnBrk="0" hangingPunct="1">
+              <a:lnSpc>
+                <a:spcPct val="90000"/>
+              </a:lnSpc>
+              <a:spcBef>
+                <a:spcPts val="500"/>
+              </a:spcBef>
+              <a:buFont typeface="Arial" panose="020B0604020202020204" pitchFamily="34" charset="0"/>
+              <a:buChar char="•"/>
+              <a:defRPr sz="1800" kern="1200">
+                <a:solidFill>
+                  <a:schemeClr val="tx1"/>
+                </a:solidFill>
+                <a:latin typeface="+mn-lt"/>
+                <a:ea typeface="+mn-ea"/>
+                <a:cs typeface="+mn-cs"/>
+              </a:defRPr>
+            </a:lvl8pPr>
+            <a:lvl9pPr marL="3886200" indent="-228600" algn="l" defTabSz="914400" rtl="0" eaLnBrk="1" latinLnBrk="0" hangingPunct="1">
+              <a:lnSpc>
+                <a:spcPct val="90000"/>
+              </a:lnSpc>
+              <a:spcBef>
+                <a:spcPts val="500"/>
+              </a:spcBef>
+              <a:buFont typeface="Arial" panose="020B0604020202020204" pitchFamily="34" charset="0"/>
+              <a:buChar char="•"/>
+              <a:defRPr sz="1800" kern="1200">
+                <a:solidFill>
+                  <a:schemeClr val="tx1"/>
+                </a:solidFill>
+                <a:latin typeface="+mn-lt"/>
+                <a:ea typeface="+mn-ea"/>
+                <a:cs typeface="+mn-cs"/>
+              </a:defRPr>
+            </a:lvl9pPr>
+          </a:lstStyle>
+          <a:p>
+            <a:r>
+              <a:rPr lang="en-US" dirty="0">
+                <a:cs typeface="Calibri"/>
+              </a:rPr>
+              <a:t>purchases:</a:t>
+            </a:r>
+          </a:p>
+          <a:p>
+            <a:pPr lvl="1"/>
+            <a:r>
+              <a:rPr lang="en-US" dirty="0">
+                <a:cs typeface="Calibri"/>
+              </a:rPr>
+              <a:t>id</a:t>
+            </a:r>
+          </a:p>
+          <a:p>
+            <a:pPr lvl="1"/>
+            <a:r>
+              <a:rPr lang="en-US" dirty="0">
+                <a:cs typeface="Calibri"/>
+              </a:rPr>
+              <a:t>Username</a:t>
+            </a:r>
+          </a:p>
+          <a:p>
+            <a:pPr lvl="1"/>
+            <a:r>
+              <a:rPr lang="en-US" dirty="0" err="1">
+                <a:cs typeface="Calibri"/>
+              </a:rPr>
+              <a:t>product_id</a:t>
+            </a:r>
+          </a:p>
+          <a:p>
+            <a:pPr marL="457200" lvl="1" indent="0">
+              <a:buNone/>
+            </a:pPr>
+            <a:endParaRPr lang="en-US" dirty="0">
+              <a:cs typeface="Calibri"/>
+            </a:endParaRPr>
+          </a:p>
+          <a:p>
+            <a:pPr lvl="1"/>
+            <a:endParaRPr lang="en-US" dirty="0">
+              <a:cs typeface="Calibri"/>
+            </a:endParaRPr>
+          </a:p>
+        </p:txBody>
+      </p:sp>
+    </p:spTree>
+    <p:extLst>
+      <p:ext uri="{BB962C8B-B14F-4D97-AF65-F5344CB8AC3E}">
+        <p14:creationId xmlns:p14="http://schemas.microsoft.com/office/powerpoint/2010/main" val="399153524"/>
+      </p:ext>
+    </p:extLst>
+  </p:cSld>
+  <p:clrMapOvr>
+    <a:masterClrMapping/>
+  </p:clrMapOvr>
+</p:sld>
+</file>
+
+<file path=ppt/slides/slide5.xml><?xml version="1.0" encoding="utf-8"?>
 <p:sld xmlns:a="http://schemas.openxmlformats.org/drawingml/2006/main" xmlns:r="http://schemas.openxmlformats.org/officeDocument/2006/relationships" xmlns:p="http://schemas.openxmlformats.org/presentationml/2006/main">
   <p:cSld>
     <p:spTree>
@@ -5715,7 +6851,7 @@
 </p:sld>
 </file>
 
-<file path=ppt/slides/slide4.xml><?xml version="1.0" encoding="utf-8"?>
+<file path=ppt/slides/slide6.xml><?xml version="1.0" encoding="utf-8"?>
 <p:sld xmlns:a="http://schemas.openxmlformats.org/drawingml/2006/main" xmlns:r="http://schemas.openxmlformats.org/officeDocument/2006/relationships" xmlns:p="http://schemas.openxmlformats.org/presentationml/2006/main">
   <p:cSld>
     <p:spTree>
@@ -6549,7 +7685,7 @@
 </p:sld>
 </file>
 
-<file path=ppt/slides/slide5.xml><?xml version="1.0" encoding="utf-8"?>
+<file path=ppt/slides/slide7.xml><?xml version="1.0" encoding="utf-8"?>
 <p:sld xmlns:a="http://schemas.openxmlformats.org/drawingml/2006/main" xmlns:r="http://schemas.openxmlformats.org/officeDocument/2006/relationships" xmlns:p="http://schemas.openxmlformats.org/presentationml/2006/main">
   <p:cSld>
     <p:spTree>
@@ -7211,7 +8347,7 @@
 </p:sld>
 </file>
 
-<file path=ppt/slides/slide6.xml><?xml version="1.0" encoding="utf-8"?>
+<file path=ppt/slides/slide8.xml><?xml version="1.0" encoding="utf-8"?>
 <p:sld xmlns:a="http://schemas.openxmlformats.org/drawingml/2006/main" xmlns:r="http://schemas.openxmlformats.org/officeDocument/2006/relationships" xmlns:p="http://schemas.openxmlformats.org/presentationml/2006/main">
   <p:cSld>
     <p:spTree>
@@ -8006,7 +9142,7 @@
 </p:sld>
 </file>
 
-<file path=ppt/slides/slide7.xml><?xml version="1.0" encoding="utf-8"?>
+<file path=ppt/slides/slide9.xml><?xml version="1.0" encoding="utf-8"?>
 <p:sld xmlns:a="http://schemas.openxmlformats.org/drawingml/2006/main" xmlns:r="http://schemas.openxmlformats.org/officeDocument/2006/relationships" xmlns:p="http://schemas.openxmlformats.org/presentationml/2006/main">
   <p:cSld>
     <p:spTree>
@@ -9726,616 +10862,6 @@
     <p:extLst>
       <p:ext uri="{BB962C8B-B14F-4D97-AF65-F5344CB8AC3E}">
         <p14:creationId xmlns:p14="http://schemas.microsoft.com/office/powerpoint/2010/main" val="462437578"/>
-      </p:ext>
-    </p:extLst>
-  </p:cSld>
-  <p:clrMapOvr>
-    <a:masterClrMapping/>
-  </p:clrMapOvr>
-</p:sld>
-</file>
-
-<file path=ppt/slides/slide8.xml><?xml version="1.0" encoding="utf-8"?>
-<p:sld xmlns:a="http://schemas.openxmlformats.org/drawingml/2006/main" xmlns:r="http://schemas.openxmlformats.org/officeDocument/2006/relationships" xmlns:p="http://schemas.openxmlformats.org/presentationml/2006/main">
-  <p:cSld>
-    <p:spTree>
-      <p:nvGrpSpPr>
-        <p:cNvPr id="1" name=""/>
-        <p:cNvGrpSpPr/>
-        <p:nvPr/>
-      </p:nvGrpSpPr>
-      <p:grpSpPr>
-        <a:xfrm>
-          <a:off x="0" y="0"/>
-          <a:ext cx="0" cy="0"/>
-          <a:chOff x="0" y="0"/>
-          <a:chExt cx="0" cy="0"/>
-        </a:xfrm>
-      </p:grpSpPr>
-      <p:sp>
-        <p:nvSpPr>
-          <p:cNvPr id="2" name="Title 1">
-            <a:extLst>
-              <a:ext uri="{FF2B5EF4-FFF2-40B4-BE49-F238E27FC236}">
-                <a16:creationId xmlns:a16="http://schemas.microsoft.com/office/drawing/2014/main" id="{BBF25091-97C4-40B6-B1C1-97BB2BD1779B}"/>
-              </a:ext>
-            </a:extLst>
-          </p:cNvPr>
-          <p:cNvSpPr>
-            <a:spLocks noGrp="1"/>
-          </p:cNvSpPr>
-          <p:nvPr>
-            <p:ph type="title"/>
-          </p:nvPr>
-        </p:nvSpPr>
-        <p:spPr>
-          <a:xfrm>
-            <a:off x="4931421" y="324665"/>
-            <a:ext cx="2329158" cy="617510"/>
-          </a:xfrm>
-        </p:spPr>
-        <p:txBody>
-          <a:bodyPr>
-            <a:normAutofit fontScale="90000"/>
-          </a:bodyPr>
-          <a:lstStyle/>
-          <a:p>
-            <a:r>
-              <a:rPr lang="en-US" dirty="0">
-                <a:cs typeface="Calibri Light"/>
-              </a:rPr>
-              <a:t>Thank you</a:t>
-            </a:r>
-            <a:endParaRPr lang="en-US" dirty="0"/>
-          </a:p>
-        </p:txBody>
-      </p:sp>
-      <p:sp>
-        <p:nvSpPr>
-          <p:cNvPr id="3" name="Content Placeholder 2">
-            <a:extLst>
-              <a:ext uri="{FF2B5EF4-FFF2-40B4-BE49-F238E27FC236}">
-                <a16:creationId xmlns:a16="http://schemas.microsoft.com/office/drawing/2014/main" id="{1C06589B-0EDD-4A85-8A52-379A5101CDB3}"/>
-              </a:ext>
-            </a:extLst>
-          </p:cNvPr>
-          <p:cNvSpPr>
-            <a:spLocks noGrp="1"/>
-          </p:cNvSpPr>
-          <p:nvPr>
-            <p:ph idx="1"/>
-          </p:nvPr>
-        </p:nvSpPr>
-        <p:spPr>
-          <a:xfrm>
-            <a:off x="838200" y="1002935"/>
-            <a:ext cx="10515600" cy="4351338"/>
-          </a:xfrm>
-        </p:spPr>
-        <p:txBody>
-          <a:bodyPr vert="horz" lIns="91440" tIns="45720" rIns="91440" bIns="45720" rtlCol="0" anchor="t">
-            <a:normAutofit/>
-          </a:bodyPr>
-          <a:lstStyle/>
-          <a:p>
-            <a:r>
-              <a:rPr lang="en-US" dirty="0" err="1">
-                <a:cs typeface="Calibri"/>
-              </a:rPr>
-              <a:t>Ότ</a:t>
-            </a:r>
-            <a:r>
-              <a:rPr lang="en-US" dirty="0">
-                <a:cs typeface="Calibri"/>
-              </a:rPr>
-              <a:t>αν ο </a:t>
-            </a:r>
-            <a:r>
-              <a:rPr lang="en-US" dirty="0" err="1">
-                <a:cs typeface="Calibri"/>
-              </a:rPr>
-              <a:t>χρήστης</a:t>
-            </a:r>
-            <a:r>
-              <a:rPr lang="en-US" dirty="0">
-                <a:cs typeface="Calibri"/>
-              </a:rPr>
-              <a:t> α</a:t>
-            </a:r>
-            <a:r>
-              <a:rPr lang="en-US" dirty="0" err="1">
-                <a:cs typeface="Calibri"/>
-              </a:rPr>
-              <a:t>γοράσει</a:t>
-            </a:r>
-            <a:r>
-              <a:rPr lang="en-US" dirty="0">
-                <a:cs typeface="Calibri"/>
-              </a:rPr>
-              <a:t> τα π</a:t>
-            </a:r>
-            <a:r>
-              <a:rPr lang="en-US" dirty="0" err="1">
-                <a:cs typeface="Calibri"/>
-              </a:rPr>
-              <a:t>ροιόντ</a:t>
-            </a:r>
-            <a:r>
-              <a:rPr lang="en-US" dirty="0">
-                <a:cs typeface="Calibri"/>
-              </a:rPr>
-              <a:t>α, η α</a:t>
-            </a:r>
-            <a:r>
-              <a:rPr lang="en-US" dirty="0" err="1">
-                <a:cs typeface="Calibri"/>
-              </a:rPr>
-              <a:t>γορά</a:t>
-            </a:r>
-            <a:r>
-              <a:rPr lang="en-US" dirty="0">
-                <a:cs typeface="Calibri"/>
-              </a:rPr>
-              <a:t> </a:t>
-            </a:r>
-            <a:r>
-              <a:rPr lang="en-US" dirty="0" err="1">
-                <a:cs typeface="Calibri"/>
-              </a:rPr>
-              <a:t>του</a:t>
-            </a:r>
-            <a:r>
-              <a:rPr lang="en-US" dirty="0">
-                <a:cs typeface="Calibri"/>
-              </a:rPr>
-              <a:t> απ</a:t>
-            </a:r>
-            <a:r>
-              <a:rPr lang="en-US" dirty="0" err="1">
-                <a:cs typeface="Calibri"/>
-              </a:rPr>
-              <a:t>οθηκεύετ</a:t>
-            </a:r>
-            <a:r>
-              <a:rPr lang="en-US" dirty="0">
-                <a:cs typeface="Calibri"/>
-              </a:rPr>
-              <a:t>αι </a:t>
-            </a:r>
-            <a:r>
-              <a:rPr lang="en-US" dirty="0" err="1">
-                <a:cs typeface="Calibri"/>
-              </a:rPr>
-              <a:t>στην</a:t>
-            </a:r>
-            <a:r>
-              <a:rPr lang="en-US" dirty="0">
-                <a:cs typeface="Calibri"/>
-              </a:rPr>
-              <a:t> β</a:t>
-            </a:r>
-            <a:r>
-              <a:rPr lang="en-US" dirty="0" err="1">
-                <a:cs typeface="Calibri"/>
-              </a:rPr>
-              <a:t>άση</a:t>
-            </a:r>
-            <a:r>
-              <a:rPr lang="en-US" dirty="0">
-                <a:cs typeface="Calibri"/>
-              </a:rPr>
-              <a:t> κα</a:t>
-            </a:r>
-            <a:r>
-              <a:rPr lang="en-US" dirty="0" err="1">
-                <a:cs typeface="Calibri"/>
-              </a:rPr>
-              <a:t>θώς</a:t>
-            </a:r>
-            <a:r>
-              <a:rPr lang="en-US" dirty="0">
-                <a:cs typeface="Calibri"/>
-              </a:rPr>
-              <a:t> και </a:t>
-            </a:r>
-            <a:r>
-              <a:rPr lang="en-US" dirty="0" err="1">
-                <a:cs typeface="Calibri"/>
-              </a:rPr>
-              <a:t>στ</a:t>
-            </a:r>
-            <a:r>
-              <a:rPr lang="en-US" dirty="0">
-                <a:cs typeface="Calibri"/>
-              </a:rPr>
-              <a:t>α α</a:t>
-            </a:r>
-            <a:r>
-              <a:rPr lang="en-US" dirty="0" err="1">
-                <a:cs typeface="Calibri"/>
-              </a:rPr>
-              <a:t>ρχεί</a:t>
-            </a:r>
-            <a:r>
-              <a:rPr lang="en-US" dirty="0">
-                <a:cs typeface="Calibri"/>
-              </a:rPr>
-              <a:t>α </a:t>
-            </a:r>
-            <a:r>
-              <a:rPr lang="en-US" dirty="0" err="1">
-                <a:cs typeface="Calibri"/>
-              </a:rPr>
-              <a:t>του</a:t>
-            </a:r>
-            <a:r>
-              <a:rPr lang="en-US" dirty="0">
-                <a:cs typeface="Calibri"/>
-              </a:rPr>
-              <a:t> server. Έπ</a:t>
-            </a:r>
-            <a:r>
-              <a:rPr lang="en-US" dirty="0" err="1">
-                <a:cs typeface="Calibri"/>
-              </a:rPr>
-              <a:t>ειτ</a:t>
-            </a:r>
-            <a:r>
-              <a:rPr lang="en-US" dirty="0">
-                <a:cs typeface="Calibri"/>
-              </a:rPr>
-              <a:t>α παραπ</a:t>
-            </a:r>
-            <a:r>
-              <a:rPr lang="en-US" dirty="0" err="1">
-                <a:cs typeface="Calibri"/>
-              </a:rPr>
-              <a:t>έμ</a:t>
-            </a:r>
-            <a:r>
-              <a:rPr lang="en-US" dirty="0">
-                <a:cs typeface="Calibri"/>
-              </a:rPr>
-              <a:t>π</a:t>
-            </a:r>
-            <a:r>
-              <a:rPr lang="en-US" dirty="0" err="1">
-                <a:cs typeface="Calibri"/>
-              </a:rPr>
-              <a:t>ετ</a:t>
-            </a:r>
-            <a:r>
-              <a:rPr lang="en-US" dirty="0">
-                <a:cs typeface="Calibri"/>
-              </a:rPr>
-              <a:t>αι </a:t>
-            </a:r>
-            <a:r>
-              <a:rPr lang="en-US" dirty="0" err="1">
-                <a:cs typeface="Calibri"/>
-              </a:rPr>
-              <a:t>στη</a:t>
-            </a:r>
-            <a:r>
-              <a:rPr lang="en-US" dirty="0">
-                <a:cs typeface="Calibri"/>
-              </a:rPr>
-              <a:t> </a:t>
-            </a:r>
-            <a:r>
-              <a:rPr lang="en-US" dirty="0" err="1">
-                <a:cs typeface="Calibri"/>
-              </a:rPr>
-              <a:t>σελίδ</a:t>
-            </a:r>
-            <a:r>
-              <a:rPr lang="en-US" dirty="0">
-                <a:cs typeface="Calibri"/>
-              </a:rPr>
-              <a:t>α thank you όπ</a:t>
-            </a:r>
-            <a:r>
-              <a:rPr lang="en-US" dirty="0" err="1">
-                <a:cs typeface="Calibri"/>
-              </a:rPr>
-              <a:t>ου</a:t>
-            </a:r>
-            <a:r>
-              <a:rPr lang="en-US" dirty="0">
-                <a:cs typeface="Calibri"/>
-              </a:rPr>
-              <a:t> μπ</a:t>
-            </a:r>
-            <a:r>
-              <a:rPr lang="en-US" dirty="0" err="1">
-                <a:cs typeface="Calibri"/>
-              </a:rPr>
-              <a:t>ορεί</a:t>
-            </a:r>
-            <a:r>
-              <a:rPr lang="en-US" dirty="0">
-                <a:cs typeface="Calibri"/>
-              </a:rPr>
-              <a:t> να επ</a:t>
-            </a:r>
-            <a:r>
-              <a:rPr lang="en-US" dirty="0" err="1">
-                <a:cs typeface="Calibri"/>
-              </a:rPr>
-              <a:t>ιστρέψει</a:t>
-            </a:r>
-            <a:r>
-              <a:rPr lang="en-US" dirty="0">
-                <a:cs typeface="Calibri"/>
-              </a:rPr>
-              <a:t> </a:t>
-            </a:r>
-            <a:r>
-              <a:rPr lang="en-US" dirty="0" err="1">
-                <a:cs typeface="Calibri"/>
-              </a:rPr>
-              <a:t>στο</a:t>
-            </a:r>
-            <a:r>
-              <a:rPr lang="en-US" dirty="0">
-                <a:cs typeface="Calibri"/>
-              </a:rPr>
-              <a:t> </a:t>
-            </a:r>
-            <a:r>
-              <a:rPr lang="en-US" dirty="0" err="1">
-                <a:cs typeface="Calibri"/>
-              </a:rPr>
-              <a:t>homePage</a:t>
-            </a:r>
-            <a:endParaRPr lang="en-US" dirty="0" err="1"/>
-          </a:p>
-        </p:txBody>
-      </p:sp>
-      <p:pic>
-        <p:nvPicPr>
-          <p:cNvPr id="4" name="Picture 4" descr="A close up of a logo&#10;&#10;Description automatically generated">
-            <a:extLst>
-              <a:ext uri="{FF2B5EF4-FFF2-40B4-BE49-F238E27FC236}">
-                <a16:creationId xmlns:a16="http://schemas.microsoft.com/office/drawing/2014/main" id="{DF80AA7B-79CC-4DD0-89E4-A8796A2FAB8E}"/>
-              </a:ext>
-            </a:extLst>
-          </p:cNvPr>
-          <p:cNvPicPr>
-            <a:picLocks noChangeAspect="1"/>
-          </p:cNvPicPr>
-          <p:nvPr/>
-        </p:nvPicPr>
-        <p:blipFill>
-          <a:blip r:embed="rId2"/>
-          <a:stretch>
-            <a:fillRect/>
-          </a:stretch>
-        </p:blipFill>
-        <p:spPr>
-          <a:xfrm>
-            <a:off x="1002063" y="6049784"/>
-            <a:ext cx="5366368" cy="807229"/>
-          </a:xfrm>
-          <a:prstGeom prst="rect">
-            <a:avLst/>
-          </a:prstGeom>
-        </p:spPr>
-      </p:pic>
-      <p:pic>
-        <p:nvPicPr>
-          <p:cNvPr id="5" name="Picture 5" descr="A screenshot of a cell phone&#10;&#10;Description automatically generated">
-            <a:extLst>
-              <a:ext uri="{FF2B5EF4-FFF2-40B4-BE49-F238E27FC236}">
-                <a16:creationId xmlns:a16="http://schemas.microsoft.com/office/drawing/2014/main" id="{B54566FA-2DB9-46AA-ACA5-0998B9469A00}"/>
-              </a:ext>
-            </a:extLst>
-          </p:cNvPr>
-          <p:cNvPicPr>
-            <a:picLocks noChangeAspect="1"/>
-          </p:cNvPicPr>
-          <p:nvPr/>
-        </p:nvPicPr>
-        <p:blipFill>
-          <a:blip r:embed="rId3"/>
-          <a:stretch>
-            <a:fillRect/>
-          </a:stretch>
-        </p:blipFill>
-        <p:spPr>
-          <a:xfrm>
-            <a:off x="6774383" y="2294021"/>
-            <a:ext cx="4590881" cy="2060913"/>
-          </a:xfrm>
-          <a:prstGeom prst="rect">
-            <a:avLst/>
-          </a:prstGeom>
-        </p:spPr>
-      </p:pic>
-      <p:pic>
-        <p:nvPicPr>
-          <p:cNvPr id="6" name="Picture 6" descr="A close up of a logo&#10;&#10;Description automatically generated">
-            <a:extLst>
-              <a:ext uri="{FF2B5EF4-FFF2-40B4-BE49-F238E27FC236}">
-                <a16:creationId xmlns:a16="http://schemas.microsoft.com/office/drawing/2014/main" id="{F6B7DA05-24BF-4680-B1B7-C62473725E9B}"/>
-              </a:ext>
-            </a:extLst>
-          </p:cNvPr>
-          <p:cNvPicPr>
-            <a:picLocks noChangeAspect="1"/>
-          </p:cNvPicPr>
-          <p:nvPr/>
-        </p:nvPicPr>
-        <p:blipFill>
-          <a:blip r:embed="rId4"/>
-          <a:stretch>
-            <a:fillRect/>
-          </a:stretch>
-        </p:blipFill>
-        <p:spPr>
-          <a:xfrm>
-            <a:off x="6632772" y="4550425"/>
-            <a:ext cx="5265217" cy="1439026"/>
-          </a:xfrm>
-          <a:prstGeom prst="rect">
-            <a:avLst/>
-          </a:prstGeom>
-        </p:spPr>
-      </p:pic>
-      <p:pic>
-        <p:nvPicPr>
-          <p:cNvPr id="7" name="Picture 7" descr="A screenshot of a social media post&#10;&#10;Description automatically generated">
-            <a:extLst>
-              <a:ext uri="{FF2B5EF4-FFF2-40B4-BE49-F238E27FC236}">
-                <a16:creationId xmlns:a16="http://schemas.microsoft.com/office/drawing/2014/main" id="{AAF666D3-E8E7-479A-A0B3-720422C5F915}"/>
-              </a:ext>
-            </a:extLst>
-          </p:cNvPr>
-          <p:cNvPicPr>
-            <a:picLocks noChangeAspect="1"/>
-          </p:cNvPicPr>
-          <p:nvPr/>
-        </p:nvPicPr>
-        <p:blipFill>
-          <a:blip r:embed="rId5"/>
-          <a:stretch>
-            <a:fillRect/>
-          </a:stretch>
-        </p:blipFill>
-        <p:spPr>
-          <a:xfrm>
-            <a:off x="1035315" y="2343358"/>
-            <a:ext cx="4584138" cy="3645057"/>
-          </a:xfrm>
-          <a:prstGeom prst="rect">
-            <a:avLst/>
-          </a:prstGeom>
-        </p:spPr>
-      </p:pic>
-    </p:spTree>
-    <p:extLst>
-      <p:ext uri="{BB962C8B-B14F-4D97-AF65-F5344CB8AC3E}">
-        <p14:creationId xmlns:p14="http://schemas.microsoft.com/office/powerpoint/2010/main" val="3478524668"/>
-      </p:ext>
-    </p:extLst>
-  </p:cSld>
-  <p:clrMapOvr>
-    <a:masterClrMapping/>
-  </p:clrMapOvr>
-</p:sld>
-</file>
-
-<file path=ppt/slides/slide9.xml><?xml version="1.0" encoding="utf-8"?>
-<p:sld xmlns:a="http://schemas.openxmlformats.org/drawingml/2006/main" xmlns:r="http://schemas.openxmlformats.org/officeDocument/2006/relationships" xmlns:p="http://schemas.openxmlformats.org/presentationml/2006/main">
-  <p:cSld>
-    <p:spTree>
-      <p:nvGrpSpPr>
-        <p:cNvPr id="1" name=""/>
-        <p:cNvGrpSpPr/>
-        <p:nvPr/>
-      </p:nvGrpSpPr>
-      <p:grpSpPr>
-        <a:xfrm>
-          <a:off x="0" y="0"/>
-          <a:ext cx="0" cy="0"/>
-          <a:chOff x="0" y="0"/>
-          <a:chExt cx="0" cy="0"/>
-        </a:xfrm>
-      </p:grpSpPr>
-      <p:sp>
-        <p:nvSpPr>
-          <p:cNvPr id="2" name="Title 1">
-            <a:extLst>
-              <a:ext uri="{FF2B5EF4-FFF2-40B4-BE49-F238E27FC236}">
-                <a16:creationId xmlns:a16="http://schemas.microsoft.com/office/drawing/2014/main" id="{5C8441BD-DE3A-43F0-83E4-918C28E39A05}"/>
-              </a:ext>
-            </a:extLst>
-          </p:cNvPr>
-          <p:cNvSpPr>
-            <a:spLocks noGrp="1"/>
-          </p:cNvSpPr>
-          <p:nvPr>
-            <p:ph type="title"/>
-          </p:nvPr>
-        </p:nvSpPr>
-        <p:spPr>
-          <a:xfrm>
-            <a:off x="2389173" y="2084682"/>
-            <a:ext cx="7413654" cy="1339049"/>
-          </a:xfrm>
-        </p:spPr>
-        <p:txBody>
-          <a:bodyPr/>
-          <a:lstStyle/>
-          <a:p>
-            <a:r>
-              <a:rPr lang="en-US" dirty="0" err="1">
-                <a:cs typeface="Calibri Light"/>
-              </a:rPr>
-              <a:t>Ευχ</a:t>
-            </a:r>
-            <a:r>
-              <a:rPr lang="en-US" dirty="0">
-                <a:cs typeface="Calibri Light"/>
-              </a:rPr>
-              <a:t>α</a:t>
-            </a:r>
-            <a:r>
-              <a:rPr lang="en-US" dirty="0" err="1">
-                <a:cs typeface="Calibri Light"/>
-              </a:rPr>
-              <a:t>ριστώ</a:t>
-            </a:r>
-            <a:r>
-              <a:rPr lang="en-US" dirty="0">
-                <a:cs typeface="Calibri Light"/>
-              </a:rPr>
-              <a:t> </a:t>
-            </a:r>
-            <a:r>
-              <a:rPr lang="en-US" dirty="0" err="1">
-                <a:cs typeface="Calibri Light"/>
-              </a:rPr>
-              <a:t>γι</a:t>
-            </a:r>
-            <a:r>
-              <a:rPr lang="en-US" dirty="0">
-                <a:cs typeface="Calibri Light"/>
-              </a:rPr>
-              <a:t>α </a:t>
-            </a:r>
-            <a:r>
-              <a:rPr lang="en-US" dirty="0" err="1">
-                <a:cs typeface="Calibri Light"/>
-              </a:rPr>
-              <a:t>την</a:t>
-            </a:r>
-            <a:r>
-              <a:rPr lang="en-US" dirty="0">
-                <a:cs typeface="Calibri Light"/>
-              </a:rPr>
-              <a:t> π</a:t>
-            </a:r>
-            <a:r>
-              <a:rPr lang="en-US" dirty="0" err="1">
-                <a:cs typeface="Calibri Light"/>
-              </a:rPr>
-              <a:t>ροσοχή</a:t>
-            </a:r>
-            <a:r>
-              <a:rPr lang="en-US" dirty="0">
-                <a:cs typeface="Calibri Light"/>
-              </a:rPr>
-              <a:t> σας</a:t>
-            </a:r>
-            <a:endParaRPr lang="en-US" dirty="0"/>
-          </a:p>
-        </p:txBody>
-      </p:sp>
-    </p:spTree>
-    <p:extLst>
-      <p:ext uri="{BB962C8B-B14F-4D97-AF65-F5344CB8AC3E}">
-        <p14:creationId xmlns:p14="http://schemas.microsoft.com/office/powerpoint/2010/main" val="1670210608"/>
       </p:ext>
     </p:extLst>
   </p:cSld>
